--- a/fyp presentation New.pptx
+++ b/fyp presentation New.pptx
@@ -5,7 +5,7 @@
     <p:sldMasterId id="2147483816" r:id="rId1"/>
   </p:sldMasterIdLst>
   <p:notesMasterIdLst>
-    <p:notesMasterId r:id="rId40"/>
+    <p:notesMasterId r:id="rId37"/>
   </p:notesMasterIdLst>
   <p:sldIdLst>
     <p:sldId id="256" r:id="rId2"/>
@@ -24,28 +24,25 @@
     <p:sldId id="304" r:id="rId15"/>
     <p:sldId id="298" r:id="rId16"/>
     <p:sldId id="257" r:id="rId17"/>
-    <p:sldId id="272" r:id="rId18"/>
-    <p:sldId id="273" r:id="rId19"/>
+    <p:sldId id="273" r:id="rId18"/>
+    <p:sldId id="305" r:id="rId19"/>
     <p:sldId id="274" r:id="rId20"/>
-    <p:sldId id="275" r:id="rId21"/>
-    <p:sldId id="276" r:id="rId22"/>
-    <p:sldId id="277" r:id="rId23"/>
-    <p:sldId id="279" r:id="rId24"/>
-    <p:sldId id="278" r:id="rId25"/>
-    <p:sldId id="262" r:id="rId26"/>
-    <p:sldId id="266" r:id="rId27"/>
-    <p:sldId id="280" r:id="rId28"/>
-    <p:sldId id="293" r:id="rId29"/>
-    <p:sldId id="281" r:id="rId30"/>
-    <p:sldId id="283" r:id="rId31"/>
-    <p:sldId id="284" r:id="rId32"/>
-    <p:sldId id="285" r:id="rId33"/>
-    <p:sldId id="286" r:id="rId34"/>
-    <p:sldId id="287" r:id="rId35"/>
-    <p:sldId id="288" r:id="rId36"/>
-    <p:sldId id="289" r:id="rId37"/>
-    <p:sldId id="290" r:id="rId38"/>
-    <p:sldId id="271" r:id="rId39"/>
+    <p:sldId id="276" r:id="rId21"/>
+    <p:sldId id="277" r:id="rId22"/>
+    <p:sldId id="279" r:id="rId23"/>
+    <p:sldId id="278" r:id="rId24"/>
+    <p:sldId id="306" r:id="rId25"/>
+    <p:sldId id="293" r:id="rId26"/>
+    <p:sldId id="281" r:id="rId27"/>
+    <p:sldId id="283" r:id="rId28"/>
+    <p:sldId id="284" r:id="rId29"/>
+    <p:sldId id="285" r:id="rId30"/>
+    <p:sldId id="286" r:id="rId31"/>
+    <p:sldId id="287" r:id="rId32"/>
+    <p:sldId id="288" r:id="rId33"/>
+    <p:sldId id="289" r:id="rId34"/>
+    <p:sldId id="290" r:id="rId35"/>
+    <p:sldId id="271" r:id="rId36"/>
   </p:sldIdLst>
   <p:sldSz cx="9144000" cy="6858000" type="screen4x3"/>
   <p:notesSz cx="6858000" cy="9144000"/>
@@ -246,7 +243,7 @@
             <a:fld id="{1910D03A-B3CC-440B-9A32-59535EA82031}" type="datetimeFigureOut">
               <a:rPr lang="en-US" smtClean="0"/>
               <a:pPr/>
-              <a:t>5/26/2024</a:t>
+              <a:t>7/8/2024</a:t>
             </a:fld>
             <a:endParaRPr lang="en-US"/>
           </a:p>
@@ -739,7 +736,7 @@
             <a:fld id="{1D8BD707-D9CF-40AE-B4C6-C98DA3205C09}" type="datetimeFigureOut">
               <a:rPr lang="en-US" smtClean="0"/>
               <a:pPr/>
-              <a:t>5/26/2024</a:t>
+              <a:t>7/8/2024</a:t>
             </a:fld>
             <a:endParaRPr lang="en-US"/>
           </a:p>
@@ -1054,7 +1051,7 @@
             <a:fld id="{1D8BD707-D9CF-40AE-B4C6-C98DA3205C09}" type="datetimeFigureOut">
               <a:rPr lang="en-US" smtClean="0"/>
               <a:pPr/>
-              <a:t>5/26/2024</a:t>
+              <a:t>7/8/2024</a:t>
             </a:fld>
             <a:endParaRPr lang="en-US"/>
           </a:p>
@@ -1241,7 +1238,7 @@
             <a:fld id="{1D8BD707-D9CF-40AE-B4C6-C98DA3205C09}" type="datetimeFigureOut">
               <a:rPr lang="en-US" smtClean="0"/>
               <a:pPr/>
-              <a:t>5/26/2024</a:t>
+              <a:t>7/8/2024</a:t>
             </a:fld>
             <a:endParaRPr lang="en-US"/>
           </a:p>
@@ -1418,7 +1415,7 @@
             <a:fld id="{1D8BD707-D9CF-40AE-B4C6-C98DA3205C09}" type="datetimeFigureOut">
               <a:rPr lang="en-US" smtClean="0"/>
               <a:pPr/>
-              <a:t>5/26/2024</a:t>
+              <a:t>7/8/2024</a:t>
             </a:fld>
             <a:endParaRPr lang="en-US"/>
           </a:p>
@@ -1688,7 +1685,7 @@
             <a:fld id="{1D8BD707-D9CF-40AE-B4C6-C98DA3205C09}" type="datetimeFigureOut">
               <a:rPr lang="en-US" smtClean="0"/>
               <a:pPr/>
-              <a:t>5/26/2024</a:t>
+              <a:t>7/8/2024</a:t>
             </a:fld>
             <a:endParaRPr lang="en-US"/>
           </a:p>
@@ -2158,7 +2155,7 @@
             <a:fld id="{1D8BD707-D9CF-40AE-B4C6-C98DA3205C09}" type="datetimeFigureOut">
               <a:rPr lang="en-US" smtClean="0"/>
               <a:pPr/>
-              <a:t>5/26/2024</a:t>
+              <a:t>7/8/2024</a:t>
             </a:fld>
             <a:endParaRPr lang="en-US"/>
           </a:p>
@@ -2649,7 +2646,7 @@
             <a:fld id="{1D8BD707-D9CF-40AE-B4C6-C98DA3205C09}" type="datetimeFigureOut">
               <a:rPr lang="en-US" smtClean="0"/>
               <a:pPr/>
-              <a:t>5/26/2024</a:t>
+              <a:t>7/8/2024</a:t>
             </a:fld>
             <a:endParaRPr lang="en-US"/>
           </a:p>
@@ -2777,7 +2774,7 @@
             <a:fld id="{1D8BD707-D9CF-40AE-B4C6-C98DA3205C09}" type="datetimeFigureOut">
               <a:rPr lang="en-US" smtClean="0"/>
               <a:pPr/>
-              <a:t>5/26/2024</a:t>
+              <a:t>7/8/2024</a:t>
             </a:fld>
             <a:endParaRPr lang="en-US"/>
           </a:p>
@@ -2923,7 +2920,7 @@
             <a:fld id="{1D8BD707-D9CF-40AE-B4C6-C98DA3205C09}" type="datetimeFigureOut">
               <a:rPr lang="en-US" smtClean="0"/>
               <a:pPr/>
-              <a:t>5/26/2024</a:t>
+              <a:t>7/8/2024</a:t>
             </a:fld>
             <a:endParaRPr lang="en-US"/>
           </a:p>
@@ -3247,7 +3244,7 @@
             <a:fld id="{1D8BD707-D9CF-40AE-B4C6-C98DA3205C09}" type="datetimeFigureOut">
               <a:rPr lang="en-US" smtClean="0"/>
               <a:pPr/>
-              <a:t>5/26/2024</a:t>
+              <a:t>7/8/2024</a:t>
             </a:fld>
             <a:endParaRPr lang="en-US"/>
           </a:p>
@@ -3383,7 +3380,7 @@
             <a:fld id="{1D8BD707-D9CF-40AE-B4C6-C98DA3205C09}" type="datetimeFigureOut">
               <a:rPr lang="en-US" smtClean="0"/>
               <a:pPr/>
-              <a:t>5/26/2024</a:t>
+              <a:t>7/8/2024</a:t>
             </a:fld>
             <a:endParaRPr lang="en-US"/>
           </a:p>
@@ -4166,7 +4163,7 @@
             <a:fld id="{1D8BD707-D9CF-40AE-B4C6-C98DA3205C09}" type="datetimeFigureOut">
               <a:rPr lang="en-US" smtClean="0"/>
               <a:pPr/>
-              <a:t>5/26/2024</a:t>
+              <a:t>7/8/2024</a:t>
             </a:fld>
             <a:endParaRPr lang="en-US"/>
           </a:p>
@@ -4774,7 +4771,7 @@
         </p:spPr>
         <p:txBody>
           <a:bodyPr vert="horz">
-            <a:normAutofit fontScale="85000" lnSpcReduction="10000"/>
+            <a:normAutofit fontScale="92500" lnSpcReduction="20000"/>
           </a:bodyPr>
           <a:lstStyle/>
           <a:p>
@@ -4831,6 +4828,21 @@
               <a:defRPr/>
             </a:pPr>
             <a:r>
+              <a:rPr kumimoji="0" lang="en-US" sz="3600" b="1" i="0" u="sng" strike="noStrike" kern="1200" cap="all" spc="250" normalizeH="0" baseline="0" noProof="0" dirty="0" err="1" smtClean="0">
+                <a:ln>
+                  <a:noFill/>
+                </a:ln>
+                <a:solidFill>
+                  <a:schemeClr val="tx1"/>
+                </a:solidFill>
+                <a:effectLst/>
+                <a:uLnTx/>
+                <a:uFillTx/>
+                <a:latin typeface="Palatino Linotype" pitchFamily="18" charset="0"/>
+              </a:rPr>
+              <a:t>syed</a:t>
+            </a:r>
+            <a:r>
               <a:rPr kumimoji="0" lang="en-US" sz="3600" b="1" i="0" u="sng" strike="noStrike" kern="1200" cap="all" spc="250" normalizeH="0" baseline="0" noProof="0" dirty="0" smtClean="0">
                 <a:ln>
                   <a:noFill/>
@@ -4843,7 +4855,7 @@
                 <a:uFillTx/>
                 <a:latin typeface="Palatino Linotype" pitchFamily="18" charset="0"/>
               </a:rPr>
-              <a:t>Mr.syed zulqarnain</a:t>
+              <a:t> zulqarnain</a:t>
             </a:r>
             <a:r>
               <a:rPr kumimoji="0" lang="en-US" sz="3600" b="1" i="0" u="sng" strike="noStrike" kern="1200" cap="all" spc="250" normalizeH="0" noProof="0" dirty="0" smtClean="0">
@@ -5215,6 +5227,13 @@
   <p:clrMapOvr>
     <a:masterClrMapping/>
   </p:clrMapOvr>
+  <p:timing>
+    <p:tnLst>
+      <p:par>
+        <p:cTn id="1" dur="indefinite" restart="never" nodeType="tmRoot"/>
+      </p:par>
+    </p:tnLst>
+  </p:timing>
 </p:sld>
 </file>
 
@@ -5922,7 +5941,7 @@
               <a:rPr lang="en-US" b="1" u="sng" dirty="0" smtClean="0">
                 <a:latin typeface="Palatino Linotype" pitchFamily="18" charset="0"/>
               </a:rPr>
-              <a:t>Screens Out Put</a:t>
+              <a:t>Output Screens</a:t>
             </a:r>
             <a:endParaRPr lang="en-US" b="1" u="sng" dirty="0">
               <a:latin typeface="Palatino Linotype" pitchFamily="18" charset="0"/>
@@ -5978,7 +5997,7 @@
               <a:rPr lang="en-US" sz="4300" b="1" u="sng" dirty="0" smtClean="0">
                 <a:latin typeface="Palatino Linotype" pitchFamily="18" charset="0"/>
               </a:rPr>
-              <a:t>Screens Out Put</a:t>
+              <a:t>Teacher Module</a:t>
             </a:r>
             <a:endParaRPr lang="en-US" sz="4300" b="1" u="sng" dirty="0">
               <a:latin typeface="Palatino Linotype" pitchFamily="18" charset="0"/>
@@ -6042,7 +6061,13 @@
               <a:rPr lang="en-US" u="sng" dirty="0" smtClean="0">
                 <a:latin typeface="Palatino Linotype" pitchFamily="18" charset="0"/>
               </a:rPr>
-              <a:t>Login Section</a:t>
+              <a:t>Auth </a:t>
+            </a:r>
+            <a:r>
+              <a:rPr lang="en-US" u="sng" dirty="0" smtClean="0">
+                <a:latin typeface="Palatino Linotype" pitchFamily="18" charset="0"/>
+              </a:rPr>
+              <a:t>Section</a:t>
             </a:r>
             <a:endParaRPr lang="en-US" u="sng" dirty="0">
               <a:latin typeface="Palatino Linotype" pitchFamily="18" charset="0"/>
@@ -6052,48 +6077,26 @@
       </p:sp>
       <p:pic>
         <p:nvPicPr>
-          <p:cNvPr id="13" name="Content Placeholder 12" descr="Screenshot_1711388401.png"/>
+          <p:cNvPr id="8" name="Picture 7" descr="auth.png"/>
           <p:cNvPicPr>
-            <a:picLocks noGrp="1" noChangeAspect="1"/>
+            <a:picLocks noChangeAspect="1"/>
           </p:cNvPicPr>
-          <p:nvPr>
-            <p:ph sz="quarter" idx="2"/>
-          </p:nvPr>
+          <p:nvPr/>
         </p:nvPicPr>
         <p:blipFill>
-          <a:blip r:embed="rId2" cstate="print"/>
+          <a:blip r:embed="rId2"/>
           <a:stretch>
             <a:fillRect/>
           </a:stretch>
         </p:blipFill>
         <p:spPr>
           <a:xfrm>
-            <a:off x="1066800" y="1371600"/>
-            <a:ext cx="2670968" cy="5341937"/>
+            <a:off x="-1676400" y="652462"/>
+            <a:ext cx="12522200" cy="7043738"/>
           </a:xfrm>
-        </p:spPr>
-      </p:pic>
-      <p:pic>
-        <p:nvPicPr>
-          <p:cNvPr id="14" name="Content Placeholder 13" descr="Screenshot_1711388406.png"/>
-          <p:cNvPicPr>
-            <a:picLocks noGrp="1" noChangeAspect="1"/>
-          </p:cNvPicPr>
-          <p:nvPr>
-            <p:ph sz="quarter" idx="4"/>
-          </p:nvPr>
-        </p:nvPicPr>
-        <p:blipFill>
-          <a:blip r:embed="rId3" cstate="print"/>
-          <a:stretch>
-            <a:fillRect/>
-          </a:stretch>
-        </p:blipFill>
-        <p:spPr>
-          <a:xfrm>
-            <a:off x="5257800" y="1371600"/>
-            <a:ext cx="2667000" cy="5334000"/>
-          </a:xfrm>
+          <a:prstGeom prst="rect">
+            <a:avLst/>
+          </a:prstGeom>
         </p:spPr>
       </p:pic>
     </p:spTree>
@@ -6140,21 +6143,37 @@
         </p:nvSpPr>
         <p:spPr>
           <a:xfrm>
-            <a:off x="304800" y="0"/>
+            <a:off x="228600" y="0"/>
             <a:ext cx="8229600" cy="1143000"/>
           </a:xfrm>
         </p:spPr>
         <p:txBody>
-          <a:bodyPr/>
+          <a:bodyPr>
+            <a:normAutofit/>
+          </a:bodyPr>
           <a:lstStyle/>
           <a:p>
             <a:r>
-              <a:rPr lang="en-US" u="sng" dirty="0" smtClean="0">
-                <a:latin typeface="Palatino Linotype" pitchFamily="18" charset="0"/>
-              </a:rPr>
-              <a:t>Create An Account Section</a:t>
-            </a:r>
-            <a:endParaRPr lang="en-US" u="sng" dirty="0">
+              <a:rPr lang="en-US" sz="4300" u="sng" dirty="0" smtClean="0">
+                <a:effectLst>
+                  <a:outerShdw blurRad="38100" dist="38100" dir="2700000" algn="tl">
+                    <a:srgbClr val="000000">
+                      <a:alpha val="43137"/>
+                    </a:srgbClr>
+                  </a:outerShdw>
+                </a:effectLst>
+                <a:latin typeface="Palatino Linotype" pitchFamily="18" charset="0"/>
+              </a:rPr>
+              <a:t>Home Page</a:t>
+            </a:r>
+            <a:endParaRPr lang="en-US" sz="4300" u="sng" dirty="0">
+              <a:effectLst>
+                <a:outerShdw blurRad="38100" dist="38100" dir="2700000" algn="tl">
+                  <a:srgbClr val="000000">
+                    <a:alpha val="43137"/>
+                  </a:srgbClr>
+                </a:outerShdw>
+              </a:effectLst>
               <a:latin typeface="Palatino Linotype" pitchFamily="18" charset="0"/>
             </a:endParaRPr>
           </a:p>
@@ -6162,48 +6181,22 @@
       </p:sp>
       <p:pic>
         <p:nvPicPr>
-          <p:cNvPr id="8" name="Content Placeholder 7" descr="Screenshot_1711388414.png"/>
+          <p:cNvPr id="9" name="Picture 8" descr="home.png"/>
           <p:cNvPicPr>
-            <a:picLocks noGrp="1" noChangeAspect="1"/>
+            <a:picLocks noChangeAspect="1"/>
           </p:cNvPicPr>
-          <p:nvPr>
-            <p:ph sz="quarter" idx="2"/>
-          </p:nvPr>
+          <p:nvPr/>
         </p:nvPicPr>
         <p:blipFill>
-          <a:blip r:embed="rId2" cstate="print"/>
+          <a:blip r:embed="rId2"/>
           <a:stretch>
             <a:fillRect/>
           </a:stretch>
         </p:blipFill>
         <p:spPr>
           <a:xfrm>
-            <a:off x="1295400" y="1142999"/>
-            <a:ext cx="2667000" cy="5334001"/>
-          </a:xfrm>
-          <a:prstGeom prst="rect">
-            <a:avLst/>
-          </a:prstGeom>
-        </p:spPr>
-      </p:pic>
-      <p:pic>
-        <p:nvPicPr>
-          <p:cNvPr id="7" name="Picture 6" descr="Screenshot_1711388418.png"/>
-          <p:cNvPicPr>
-            <a:picLocks noChangeAspect="1"/>
-          </p:cNvPicPr>
-          <p:nvPr/>
-        </p:nvPicPr>
-        <p:blipFill>
-          <a:blip r:embed="rId3" cstate="print"/>
-          <a:stretch>
-            <a:fillRect/>
-          </a:stretch>
-        </p:blipFill>
-        <p:spPr>
-          <a:xfrm>
-            <a:off x="5334000" y="1143000"/>
-            <a:ext cx="2667000" cy="5334000"/>
+            <a:off x="-728134" y="457200"/>
+            <a:ext cx="12462934" cy="7010400"/>
           </a:xfrm>
           <a:prstGeom prst="rect">
             <a:avLst/>
@@ -6215,6 +6208,13 @@
   <p:clrMapOvr>
     <a:masterClrMapping/>
   </p:clrMapOvr>
+  <p:timing>
+    <p:tnLst>
+      <p:par>
+        <p:cTn id="1" dur="indefinite" restart="never" nodeType="tmRoot"/>
+      </p:par>
+    </p:tnLst>
+  </p:timing>
 </p:sld>
 </file>
 
@@ -6237,7 +6237,7 @@
       </p:grpSpPr>
       <p:sp>
         <p:nvSpPr>
-          <p:cNvPr id="6" name="Title 5"/>
+          <p:cNvPr id="7" name="Title 1"/>
           <p:cNvSpPr>
             <a:spLocks noGrp="1"/>
           </p:cNvSpPr>
@@ -6247,37 +6247,21 @@
         </p:nvSpPr>
         <p:spPr>
           <a:xfrm>
-            <a:off x="228600" y="0"/>
-            <a:ext cx="8229600" cy="1143000"/>
+            <a:off x="457200" y="91440"/>
+            <a:ext cx="8229600" cy="1188720"/>
           </a:xfrm>
         </p:spPr>
         <p:txBody>
-          <a:bodyPr>
-            <a:normAutofit/>
-          </a:bodyPr>
+          <a:bodyPr/>
           <a:lstStyle/>
           <a:p>
             <a:r>
-              <a:rPr lang="en-US" sz="4300" u="sng" dirty="0" smtClean="0">
-                <a:effectLst>
-                  <a:outerShdw blurRad="38100" dist="38100" dir="2700000" algn="tl">
-                    <a:srgbClr val="000000">
-                      <a:alpha val="43137"/>
-                    </a:srgbClr>
-                  </a:outerShdw>
-                </a:effectLst>
-                <a:latin typeface="Palatino Linotype" pitchFamily="18" charset="0"/>
-              </a:rPr>
-              <a:t>Create a Class</a:t>
-            </a:r>
-            <a:endParaRPr lang="en-US" sz="4300" u="sng" dirty="0">
-              <a:effectLst>
-                <a:outerShdw blurRad="38100" dist="38100" dir="2700000" algn="tl">
-                  <a:srgbClr val="000000">
-                    <a:alpha val="43137"/>
-                  </a:srgbClr>
-                </a:outerShdw>
-              </a:effectLst>
+              <a:rPr lang="en-US" sz="4300" dirty="0" smtClean="0">
+                <a:latin typeface="Palatino Linotype" pitchFamily="18" charset="0"/>
+              </a:rPr>
+              <a:t>Register New Subject</a:t>
+            </a:r>
+            <a:endParaRPr lang="en-US" sz="4300" dirty="0">
               <a:latin typeface="Palatino Linotype" pitchFamily="18" charset="0"/>
             </a:endParaRPr>
           </a:p>
@@ -6285,94 +6269,22 @@
       </p:sp>
       <p:pic>
         <p:nvPicPr>
-          <p:cNvPr id="11" name="Picture 10" descr="Screenshot_1711388685.png"/>
+          <p:cNvPr id="8" name="Picture 7" descr="reg class.png"/>
           <p:cNvPicPr>
             <a:picLocks noChangeAspect="1"/>
           </p:cNvPicPr>
           <p:nvPr/>
         </p:nvPicPr>
         <p:blipFill>
-          <a:blip r:embed="rId2" cstate="print"/>
+          <a:blip r:embed="rId2"/>
           <a:stretch>
             <a:fillRect/>
           </a:stretch>
         </p:blipFill>
         <p:spPr>
           <a:xfrm>
-            <a:off x="152400" y="1295400"/>
-            <a:ext cx="2667000" cy="5334000"/>
-          </a:xfrm>
-          <a:prstGeom prst="rect">
-            <a:avLst/>
-          </a:prstGeom>
-        </p:spPr>
-      </p:pic>
-      <p:pic>
-        <p:nvPicPr>
-          <p:cNvPr id="12" name="Picture 11" descr="Screenshot_1711388689.png"/>
-          <p:cNvPicPr>
-            <a:picLocks noChangeAspect="1"/>
-          </p:cNvPicPr>
-          <p:nvPr/>
-        </p:nvPicPr>
-        <p:blipFill>
-          <a:blip r:embed="rId3" cstate="print"/>
-          <a:stretch>
-            <a:fillRect/>
-          </a:stretch>
-        </p:blipFill>
-        <p:spPr>
-          <a:xfrm>
-            <a:off x="3200400" y="1371600"/>
-            <a:ext cx="2667000" cy="5334000"/>
-          </a:xfrm>
-          <a:prstGeom prst="rect">
-            <a:avLst/>
-          </a:prstGeom>
-        </p:spPr>
-      </p:pic>
-      <p:pic>
-        <p:nvPicPr>
-          <p:cNvPr id="13" name="Picture 12" descr="Screenshot_1711388692.png"/>
-          <p:cNvPicPr>
-            <a:picLocks noChangeAspect="1"/>
-          </p:cNvPicPr>
-          <p:nvPr/>
-        </p:nvPicPr>
-        <p:blipFill>
-          <a:blip r:embed="rId4" cstate="print"/>
-          <a:stretch>
-            <a:fillRect/>
-          </a:stretch>
-        </p:blipFill>
-        <p:spPr>
-          <a:xfrm>
-            <a:off x="6286500" y="1295400"/>
-            <a:ext cx="2705100" cy="5410200"/>
-          </a:xfrm>
-          <a:prstGeom prst="rect">
-            <a:avLst/>
-          </a:prstGeom>
-        </p:spPr>
-      </p:pic>
-      <p:pic>
-        <p:nvPicPr>
-          <p:cNvPr id="7" name="Picture 6" descr="Screenshot_1716572747.png"/>
-          <p:cNvPicPr>
-            <a:picLocks noChangeAspect="1"/>
-          </p:cNvPicPr>
-          <p:nvPr/>
-        </p:nvPicPr>
-        <p:blipFill>
-          <a:blip r:embed="rId5" cstate="print"/>
-          <a:stretch>
-            <a:fillRect/>
-          </a:stretch>
-        </p:blipFill>
-        <p:spPr>
-          <a:xfrm>
-            <a:off x="3124200" y="1295400"/>
-            <a:ext cx="2781300" cy="5410200"/>
+            <a:off x="-2370667" y="228600"/>
+            <a:ext cx="13953067" cy="7848600"/>
           </a:xfrm>
           <a:prstGeom prst="rect">
             <a:avLst/>
@@ -6384,6 +6296,13 @@
   <p:clrMapOvr>
     <a:masterClrMapping/>
   </p:clrMapOvr>
+  <p:timing>
+    <p:tnLst>
+      <p:par>
+        <p:cTn id="1" dur="indefinite" restart="never" nodeType="tmRoot"/>
+      </p:par>
+    </p:tnLst>
+  </p:timing>
 </p:sld>
 </file>
 
@@ -6437,7 +6356,20 @@
                 </a:effectLst>
                 <a:latin typeface="Palatino Linotype" pitchFamily="18" charset="0"/>
               </a:rPr>
-              <a:t>Imports Students In Class</a:t>
+              <a:t>Imports Students In </a:t>
+            </a:r>
+            <a:r>
+              <a:rPr lang="en-US" sz="4300" u="sng" dirty="0" smtClean="0">
+                <a:effectLst>
+                  <a:outerShdw blurRad="38100" dist="38100" dir="2700000" algn="tl">
+                    <a:srgbClr val="000000">
+                      <a:alpha val="43137"/>
+                    </a:srgbClr>
+                  </a:outerShdw>
+                </a:effectLst>
+                <a:latin typeface="Palatino Linotype" pitchFamily="18" charset="0"/>
+              </a:rPr>
+              <a:t>Subject</a:t>
             </a:r>
             <a:endParaRPr lang="en-US" sz="4300" u="sng" dirty="0">
               <a:effectLst>
@@ -6454,70 +6386,22 @@
       </p:sp>
       <p:pic>
         <p:nvPicPr>
-          <p:cNvPr id="10" name="Picture 9" descr="Screenshot_1711388714.png"/>
+          <p:cNvPr id="8" name="Picture 7" descr="add student.png"/>
           <p:cNvPicPr>
             <a:picLocks noChangeAspect="1"/>
           </p:cNvPicPr>
           <p:nvPr/>
         </p:nvPicPr>
         <p:blipFill>
-          <a:blip r:embed="rId2" cstate="print"/>
+          <a:blip r:embed="rId2"/>
           <a:stretch>
             <a:fillRect/>
           </a:stretch>
         </p:blipFill>
         <p:spPr>
           <a:xfrm>
-            <a:off x="152400" y="1295400"/>
-            <a:ext cx="2667000" cy="5410200"/>
-          </a:xfrm>
-          <a:prstGeom prst="rect">
-            <a:avLst/>
-          </a:prstGeom>
-        </p:spPr>
-      </p:pic>
-      <p:pic>
-        <p:nvPicPr>
-          <p:cNvPr id="11" name="Picture 10" descr="Screenshot_1711388718.png"/>
-          <p:cNvPicPr>
-            <a:picLocks noChangeAspect="1"/>
-          </p:cNvPicPr>
-          <p:nvPr/>
-        </p:nvPicPr>
-        <p:blipFill>
-          <a:blip r:embed="rId3" cstate="print"/>
-          <a:stretch>
-            <a:fillRect/>
-          </a:stretch>
-        </p:blipFill>
-        <p:spPr>
-          <a:xfrm>
-            <a:off x="3276600" y="1295400"/>
-            <a:ext cx="2667000" cy="5410200"/>
-          </a:xfrm>
-          <a:prstGeom prst="rect">
-            <a:avLst/>
-          </a:prstGeom>
-        </p:spPr>
-      </p:pic>
-      <p:pic>
-        <p:nvPicPr>
-          <p:cNvPr id="12" name="Picture 11" descr="Screenshot_1711388727.png"/>
-          <p:cNvPicPr>
-            <a:picLocks noChangeAspect="1"/>
-          </p:cNvPicPr>
-          <p:nvPr/>
-        </p:nvPicPr>
-        <p:blipFill>
-          <a:blip r:embed="rId4" cstate="print"/>
-          <a:stretch>
-            <a:fillRect/>
-          </a:stretch>
-        </p:blipFill>
-        <p:spPr>
-          <a:xfrm>
-            <a:off x="6324600" y="1371600"/>
-            <a:ext cx="2667000" cy="5334000"/>
+            <a:off x="-575733" y="1066800"/>
+            <a:ext cx="10329333" cy="5810250"/>
           </a:xfrm>
           <a:prstGeom prst="rect">
             <a:avLst/>
@@ -6529,6 +6413,13 @@
   <p:clrMapOvr>
     <a:masterClrMapping/>
   </p:clrMapOvr>
+  <p:timing>
+    <p:tnLst>
+      <p:par>
+        <p:cTn id="1" dur="indefinite" restart="never" nodeType="tmRoot"/>
+      </p:par>
+    </p:tnLst>
+  </p:timing>
 </p:sld>
 </file>
 
@@ -6708,7 +6599,7 @@
         </p:nvSpPr>
         <p:spPr>
           <a:xfrm>
-            <a:off x="304800" y="0"/>
+            <a:off x="457200" y="0"/>
             <a:ext cx="8229600" cy="1143000"/>
           </a:xfrm>
         </p:spPr>
@@ -6722,7 +6613,19 @@
               <a:rPr lang="en-US" sz="4300" u="sng" dirty="0" smtClean="0">
                 <a:latin typeface="Palatino Linotype" pitchFamily="18" charset="0"/>
               </a:rPr>
-              <a:t>Import Student In Class</a:t>
+              <a:t>Student Tab</a:t>
+            </a:r>
+            <a:r>
+              <a:rPr lang="en-US" sz="4300" u="sng" dirty="0" smtClean="0">
+                <a:latin typeface="Palatino Linotype" pitchFamily="18" charset="0"/>
+              </a:rPr>
+              <a:t> </a:t>
+            </a:r>
+            <a:r>
+              <a:rPr lang="en-US" sz="4300" u="sng" dirty="0" smtClean="0">
+                <a:latin typeface="Palatino Linotype" pitchFamily="18" charset="0"/>
+              </a:rPr>
+              <a:t>Overview</a:t>
             </a:r>
             <a:endParaRPr lang="en-US" sz="4300" u="sng" dirty="0">
               <a:latin typeface="Palatino Linotype" pitchFamily="18" charset="0"/>
@@ -6732,660 +6635,7 @@
       </p:sp>
       <p:pic>
         <p:nvPicPr>
-          <p:cNvPr id="7" name="Picture 6" descr="Screenshot_1711388916.png"/>
-          <p:cNvPicPr>
-            <a:picLocks noChangeAspect="1"/>
-          </p:cNvPicPr>
-          <p:nvPr/>
-        </p:nvPicPr>
-        <p:blipFill>
-          <a:blip r:embed="rId2" cstate="print"/>
-          <a:stretch>
-            <a:fillRect/>
-          </a:stretch>
-        </p:blipFill>
-        <p:spPr>
-          <a:xfrm>
-            <a:off x="3200400" y="1371600"/>
-            <a:ext cx="2667000" cy="5334000"/>
-          </a:xfrm>
-          <a:prstGeom prst="rect">
-            <a:avLst/>
-          </a:prstGeom>
-        </p:spPr>
-      </p:pic>
-      <p:pic>
-        <p:nvPicPr>
-          <p:cNvPr id="8" name="Picture 7" descr="Screenshot_1711388932.png"/>
-          <p:cNvPicPr>
-            <a:picLocks noChangeAspect="1"/>
-          </p:cNvPicPr>
-          <p:nvPr/>
-        </p:nvPicPr>
-        <p:blipFill>
-          <a:blip r:embed="rId3" cstate="print"/>
-          <a:stretch>
-            <a:fillRect/>
-          </a:stretch>
-        </p:blipFill>
-        <p:spPr>
-          <a:xfrm>
-            <a:off x="6286500" y="1371600"/>
-            <a:ext cx="2667000" cy="5334000"/>
-          </a:xfrm>
-          <a:prstGeom prst="rect">
-            <a:avLst/>
-          </a:prstGeom>
-        </p:spPr>
-      </p:pic>
-      <p:pic>
-        <p:nvPicPr>
-          <p:cNvPr id="10" name="Picture 9" descr="Screenshot_1711388759.png"/>
-          <p:cNvPicPr>
-            <a:picLocks noChangeAspect="1"/>
-          </p:cNvPicPr>
-          <p:nvPr/>
-        </p:nvPicPr>
-        <p:blipFill>
-          <a:blip r:embed="rId4" cstate="print"/>
-          <a:stretch>
-            <a:fillRect/>
-          </a:stretch>
-        </p:blipFill>
-        <p:spPr>
-          <a:xfrm>
-            <a:off x="152400" y="1371600"/>
-            <a:ext cx="2667000" cy="5334000"/>
-          </a:xfrm>
-          <a:prstGeom prst="rect">
-            <a:avLst/>
-          </a:prstGeom>
-        </p:spPr>
-      </p:pic>
-    </p:spTree>
-  </p:cSld>
-  <p:clrMapOvr>
-    <a:masterClrMapping/>
-  </p:clrMapOvr>
-</p:sld>
-</file>
-
-<file path=ppt/slides/slide21.xml><?xml version="1.0" encoding="utf-8"?>
-<p:sld xmlns:a="http://schemas.openxmlformats.org/drawingml/2006/main" xmlns:r="http://schemas.openxmlformats.org/officeDocument/2006/relationships" xmlns:p="http://schemas.openxmlformats.org/presentationml/2006/main">
-  <p:cSld>
-    <p:spTree>
-      <p:nvGrpSpPr>
-        <p:cNvPr id="1" name=""/>
-        <p:cNvGrpSpPr/>
-        <p:nvPr/>
-      </p:nvGrpSpPr>
-      <p:grpSpPr>
-        <a:xfrm>
-          <a:off x="0" y="0"/>
-          <a:ext cx="0" cy="0"/>
-          <a:chOff x="0" y="0"/>
-          <a:chExt cx="0" cy="0"/>
-        </a:xfrm>
-      </p:grpSpPr>
-      <p:sp>
-        <p:nvSpPr>
-          <p:cNvPr id="6" name="Title 5"/>
-          <p:cNvSpPr>
-            <a:spLocks noGrp="1"/>
-          </p:cNvSpPr>
-          <p:nvPr>
-            <p:ph type="title"/>
-          </p:nvPr>
-        </p:nvSpPr>
-        <p:spPr>
-          <a:xfrm>
-            <a:off x="457200" y="0"/>
-            <a:ext cx="8229600" cy="1143000"/>
-          </a:xfrm>
-        </p:spPr>
-        <p:txBody>
-          <a:bodyPr>
-            <a:normAutofit/>
-          </a:bodyPr>
-          <a:lstStyle/>
-          <a:p>
-            <a:r>
-              <a:rPr lang="en-US" sz="4300" u="sng" dirty="0" smtClean="0">
-                <a:latin typeface="Palatino Linotype" pitchFamily="18" charset="0"/>
-              </a:rPr>
-              <a:t>Class Overview</a:t>
-            </a:r>
-            <a:endParaRPr lang="en-US" sz="4300" u="sng" dirty="0">
-              <a:latin typeface="Palatino Linotype" pitchFamily="18" charset="0"/>
-            </a:endParaRPr>
-          </a:p>
-        </p:txBody>
-      </p:sp>
-      <p:pic>
-        <p:nvPicPr>
-          <p:cNvPr id="7" name="Picture 6" descr="Screenshot_1711388944.png"/>
-          <p:cNvPicPr>
-            <a:picLocks noChangeAspect="1"/>
-          </p:cNvPicPr>
-          <p:nvPr/>
-        </p:nvPicPr>
-        <p:blipFill>
-          <a:blip r:embed="rId2" cstate="print"/>
-          <a:stretch>
-            <a:fillRect/>
-          </a:stretch>
-        </p:blipFill>
-        <p:spPr>
-          <a:xfrm>
-            <a:off x="152400" y="1295400"/>
-            <a:ext cx="2705100" cy="5410200"/>
-          </a:xfrm>
-          <a:prstGeom prst="rect">
-            <a:avLst/>
-          </a:prstGeom>
-        </p:spPr>
-      </p:pic>
-      <p:pic>
-        <p:nvPicPr>
-          <p:cNvPr id="8" name="Picture 7" descr="Screenshot_1711388793.png"/>
-          <p:cNvPicPr>
-            <a:picLocks noChangeAspect="1"/>
-          </p:cNvPicPr>
-          <p:nvPr/>
-        </p:nvPicPr>
-        <p:blipFill>
-          <a:blip r:embed="rId3" cstate="print"/>
-          <a:stretch>
-            <a:fillRect/>
-          </a:stretch>
-        </p:blipFill>
-        <p:spPr>
-          <a:xfrm>
-            <a:off x="3200400" y="1295400"/>
-            <a:ext cx="2705100" cy="5410200"/>
-          </a:xfrm>
-          <a:prstGeom prst="rect">
-            <a:avLst/>
-          </a:prstGeom>
-        </p:spPr>
-      </p:pic>
-      <p:pic>
-        <p:nvPicPr>
-          <p:cNvPr id="9" name="Picture 8" descr="Screenshot_1711388796.png"/>
-          <p:cNvPicPr>
-            <a:picLocks noChangeAspect="1"/>
-          </p:cNvPicPr>
-          <p:nvPr/>
-        </p:nvPicPr>
-        <p:blipFill>
-          <a:blip r:embed="rId4" cstate="print"/>
-          <a:stretch>
-            <a:fillRect/>
-          </a:stretch>
-        </p:blipFill>
-        <p:spPr>
-          <a:xfrm>
-            <a:off x="6248400" y="1295400"/>
-            <a:ext cx="2705100" cy="5410200"/>
-          </a:xfrm>
-          <a:prstGeom prst="rect">
-            <a:avLst/>
-          </a:prstGeom>
-        </p:spPr>
-      </p:pic>
-    </p:spTree>
-  </p:cSld>
-  <p:clrMapOvr>
-    <a:masterClrMapping/>
-  </p:clrMapOvr>
-</p:sld>
-</file>
-
-<file path=ppt/slides/slide22.xml><?xml version="1.0" encoding="utf-8"?>
-<p:sld xmlns:a="http://schemas.openxmlformats.org/drawingml/2006/main" xmlns:r="http://schemas.openxmlformats.org/officeDocument/2006/relationships" xmlns:p="http://schemas.openxmlformats.org/presentationml/2006/main">
-  <p:cSld>
-    <p:spTree>
-      <p:nvGrpSpPr>
-        <p:cNvPr id="1" name=""/>
-        <p:cNvGrpSpPr/>
-        <p:nvPr/>
-      </p:nvGrpSpPr>
-      <p:grpSpPr>
-        <a:xfrm>
-          <a:off x="0" y="0"/>
-          <a:ext cx="0" cy="0"/>
-          <a:chOff x="0" y="0"/>
-          <a:chExt cx="0" cy="0"/>
-        </a:xfrm>
-      </p:grpSpPr>
-      <p:sp>
-        <p:nvSpPr>
-          <p:cNvPr id="6" name="Title 5"/>
-          <p:cNvSpPr>
-            <a:spLocks noGrp="1"/>
-          </p:cNvSpPr>
-          <p:nvPr>
-            <p:ph type="title"/>
-          </p:nvPr>
-        </p:nvSpPr>
-        <p:spPr>
-          <a:xfrm>
-            <a:off x="457200" y="0"/>
-            <a:ext cx="8229600" cy="1143000"/>
-          </a:xfrm>
-        </p:spPr>
-        <p:txBody>
-          <a:bodyPr/>
-          <a:lstStyle/>
-          <a:p>
-            <a:r>
-              <a:rPr lang="en-US" u="sng" dirty="0" smtClean="0">
-                <a:latin typeface="Palatino Linotype" pitchFamily="18" charset="0"/>
-              </a:rPr>
-              <a:t>Save Student Attendance</a:t>
-            </a:r>
-            <a:endParaRPr lang="en-US" u="sng" dirty="0">
-              <a:latin typeface="Palatino Linotype" pitchFamily="18" charset="0"/>
-            </a:endParaRPr>
-          </a:p>
-        </p:txBody>
-      </p:sp>
-      <p:pic>
-        <p:nvPicPr>
-          <p:cNvPr id="7" name="Picture 6" descr="Screenshot_1711388803.png"/>
-          <p:cNvPicPr>
-            <a:picLocks noChangeAspect="1"/>
-          </p:cNvPicPr>
-          <p:nvPr/>
-        </p:nvPicPr>
-        <p:blipFill>
-          <a:blip r:embed="rId2" cstate="print"/>
-          <a:stretch>
-            <a:fillRect/>
-          </a:stretch>
-        </p:blipFill>
-        <p:spPr>
-          <a:xfrm>
-            <a:off x="152400" y="1371600"/>
-            <a:ext cx="2628900" cy="5334000"/>
-          </a:xfrm>
-          <a:prstGeom prst="rect">
-            <a:avLst/>
-          </a:prstGeom>
-        </p:spPr>
-      </p:pic>
-      <p:pic>
-        <p:nvPicPr>
-          <p:cNvPr id="8" name="Picture 7" descr="Screenshot_1711388832.png"/>
-          <p:cNvPicPr>
-            <a:picLocks noChangeAspect="1"/>
-          </p:cNvPicPr>
-          <p:nvPr/>
-        </p:nvPicPr>
-        <p:blipFill>
-          <a:blip r:embed="rId3" cstate="print"/>
-          <a:stretch>
-            <a:fillRect/>
-          </a:stretch>
-        </p:blipFill>
-        <p:spPr>
-          <a:xfrm>
-            <a:off x="3276600" y="1371600"/>
-            <a:ext cx="2628900" cy="5334000"/>
-          </a:xfrm>
-          <a:prstGeom prst="rect">
-            <a:avLst/>
-          </a:prstGeom>
-        </p:spPr>
-      </p:pic>
-      <p:pic>
-        <p:nvPicPr>
-          <p:cNvPr id="9" name="Picture 8" descr="Screenshot_1711390764.png"/>
-          <p:cNvPicPr>
-            <a:picLocks noChangeAspect="1"/>
-          </p:cNvPicPr>
-          <p:nvPr/>
-        </p:nvPicPr>
-        <p:blipFill>
-          <a:blip r:embed="rId4" cstate="print"/>
-          <a:stretch>
-            <a:fillRect/>
-          </a:stretch>
-        </p:blipFill>
-        <p:spPr>
-          <a:xfrm>
-            <a:off x="6324600" y="1371600"/>
-            <a:ext cx="2667000" cy="5334000"/>
-          </a:xfrm>
-          <a:prstGeom prst="rect">
-            <a:avLst/>
-          </a:prstGeom>
-        </p:spPr>
-      </p:pic>
-    </p:spTree>
-  </p:cSld>
-  <p:clrMapOvr>
-    <a:masterClrMapping/>
-  </p:clrMapOvr>
-</p:sld>
-</file>
-
-<file path=ppt/slides/slide23.xml><?xml version="1.0" encoding="utf-8"?>
-<p:sld xmlns:a="http://schemas.openxmlformats.org/drawingml/2006/main" xmlns:r="http://schemas.openxmlformats.org/officeDocument/2006/relationships" xmlns:p="http://schemas.openxmlformats.org/presentationml/2006/main">
-  <p:cSld>
-    <p:spTree>
-      <p:nvGrpSpPr>
-        <p:cNvPr id="1" name=""/>
-        <p:cNvGrpSpPr/>
-        <p:nvPr/>
-      </p:nvGrpSpPr>
-      <p:grpSpPr>
-        <a:xfrm>
-          <a:off x="0" y="0"/>
-          <a:ext cx="0" cy="0"/>
-          <a:chOff x="0" y="0"/>
-          <a:chExt cx="0" cy="0"/>
-        </a:xfrm>
-      </p:grpSpPr>
-      <p:sp>
-        <p:nvSpPr>
-          <p:cNvPr id="6" name="Title 5"/>
-          <p:cNvSpPr>
-            <a:spLocks noGrp="1"/>
-          </p:cNvSpPr>
-          <p:nvPr>
-            <p:ph type="title"/>
-          </p:nvPr>
-        </p:nvSpPr>
-        <p:spPr>
-          <a:xfrm>
-            <a:off x="381000" y="0"/>
-            <a:ext cx="8229600" cy="1143000"/>
-          </a:xfrm>
-        </p:spPr>
-        <p:txBody>
-          <a:bodyPr>
-            <a:normAutofit fontScale="90000"/>
-          </a:bodyPr>
-          <a:lstStyle/>
-          <a:p>
-            <a:r>
-              <a:rPr lang="en-US" u="sng" dirty="0" smtClean="0">
-                <a:latin typeface="Palatino Linotype" pitchFamily="18" charset="0"/>
-              </a:rPr>
-              <a:t>Student Attendance States+ Edit Profile</a:t>
-            </a:r>
-            <a:endParaRPr lang="en-US" u="sng" dirty="0">
-              <a:latin typeface="Palatino Linotype" pitchFamily="18" charset="0"/>
-            </a:endParaRPr>
-          </a:p>
-        </p:txBody>
-      </p:sp>
-      <p:pic>
-        <p:nvPicPr>
-          <p:cNvPr id="7" name="Picture 6" descr="Screenshot_1711388842.png"/>
-          <p:cNvPicPr>
-            <a:picLocks noChangeAspect="1"/>
-          </p:cNvPicPr>
-          <p:nvPr/>
-        </p:nvPicPr>
-        <p:blipFill>
-          <a:blip r:embed="rId2" cstate="print"/>
-          <a:stretch>
-            <a:fillRect/>
-          </a:stretch>
-        </p:blipFill>
-        <p:spPr>
-          <a:xfrm>
-            <a:off x="152400" y="1371600"/>
-            <a:ext cx="2667000" cy="5334000"/>
-          </a:xfrm>
-          <a:prstGeom prst="rect">
-            <a:avLst/>
-          </a:prstGeom>
-        </p:spPr>
-      </p:pic>
-      <p:pic>
-        <p:nvPicPr>
-          <p:cNvPr id="8" name="Picture 7" descr="Screenshot_1711388851.png"/>
-          <p:cNvPicPr>
-            <a:picLocks noChangeAspect="1"/>
-          </p:cNvPicPr>
-          <p:nvPr/>
-        </p:nvPicPr>
-        <p:blipFill>
-          <a:blip r:embed="rId3" cstate="print"/>
-          <a:stretch>
-            <a:fillRect/>
-          </a:stretch>
-        </p:blipFill>
-        <p:spPr>
-          <a:xfrm>
-            <a:off x="3276600" y="1371600"/>
-            <a:ext cx="2667000" cy="5334000"/>
-          </a:xfrm>
-          <a:prstGeom prst="rect">
-            <a:avLst/>
-          </a:prstGeom>
-        </p:spPr>
-      </p:pic>
-      <p:pic>
-        <p:nvPicPr>
-          <p:cNvPr id="9" name="Picture 8" descr="Screenshot_1711388856.png"/>
-          <p:cNvPicPr>
-            <a:picLocks noChangeAspect="1"/>
-          </p:cNvPicPr>
-          <p:nvPr/>
-        </p:nvPicPr>
-        <p:blipFill>
-          <a:blip r:embed="rId4" cstate="print"/>
-          <a:stretch>
-            <a:fillRect/>
-          </a:stretch>
-        </p:blipFill>
-        <p:spPr>
-          <a:xfrm>
-            <a:off x="6324600" y="1371600"/>
-            <a:ext cx="2667000" cy="5334000"/>
-          </a:xfrm>
-          <a:prstGeom prst="rect">
-            <a:avLst/>
-          </a:prstGeom>
-        </p:spPr>
-      </p:pic>
-    </p:spTree>
-  </p:cSld>
-  <p:clrMapOvr>
-    <a:masterClrMapping/>
-  </p:clrMapOvr>
-</p:sld>
-</file>
-
-<file path=ppt/slides/slide24.xml><?xml version="1.0" encoding="utf-8"?>
-<p:sld xmlns:a="http://schemas.openxmlformats.org/drawingml/2006/main" xmlns:r="http://schemas.openxmlformats.org/officeDocument/2006/relationships" xmlns:p="http://schemas.openxmlformats.org/presentationml/2006/main">
-  <p:cSld>
-    <p:spTree>
-      <p:nvGrpSpPr>
-        <p:cNvPr id="1" name=""/>
-        <p:cNvGrpSpPr/>
-        <p:nvPr/>
-      </p:nvGrpSpPr>
-      <p:grpSpPr>
-        <a:xfrm>
-          <a:off x="0" y="0"/>
-          <a:ext cx="0" cy="0"/>
-          <a:chOff x="0" y="0"/>
-          <a:chExt cx="0" cy="0"/>
-        </a:xfrm>
-      </p:grpSpPr>
-      <p:sp>
-        <p:nvSpPr>
-          <p:cNvPr id="6" name="Title 5"/>
-          <p:cNvSpPr>
-            <a:spLocks noGrp="1"/>
-          </p:cNvSpPr>
-          <p:nvPr>
-            <p:ph type="title"/>
-          </p:nvPr>
-        </p:nvSpPr>
-        <p:spPr>
-          <a:xfrm>
-            <a:off x="381000" y="0"/>
-            <a:ext cx="8229600" cy="1143000"/>
-          </a:xfrm>
-        </p:spPr>
-        <p:txBody>
-          <a:bodyPr>
-            <a:normAutofit fontScale="90000"/>
-          </a:bodyPr>
-          <a:lstStyle/>
-          <a:p>
-            <a:r>
-              <a:rPr lang="en-US" u="sng" dirty="0" smtClean="0">
-                <a:latin typeface="Palatino Linotype" pitchFamily="18" charset="0"/>
-              </a:rPr>
-              <a:t>Edit Attendance+ Attendance History</a:t>
-            </a:r>
-            <a:endParaRPr lang="en-US" u="sng" dirty="0">
-              <a:latin typeface="Palatino Linotype" pitchFamily="18" charset="0"/>
-            </a:endParaRPr>
-          </a:p>
-        </p:txBody>
-      </p:sp>
-      <p:pic>
-        <p:nvPicPr>
-          <p:cNvPr id="11" name="Picture 10" descr="Screenshot_1711388823.png"/>
-          <p:cNvPicPr>
-            <a:picLocks noChangeAspect="1"/>
-          </p:cNvPicPr>
-          <p:nvPr/>
-        </p:nvPicPr>
-        <p:blipFill>
-          <a:blip r:embed="rId2" cstate="print"/>
-          <a:stretch>
-            <a:fillRect/>
-          </a:stretch>
-        </p:blipFill>
-        <p:spPr>
-          <a:xfrm>
-            <a:off x="152400" y="1295400"/>
-            <a:ext cx="2705100" cy="5410200"/>
-          </a:xfrm>
-          <a:prstGeom prst="rect">
-            <a:avLst/>
-          </a:prstGeom>
-        </p:spPr>
-      </p:pic>
-      <p:pic>
-        <p:nvPicPr>
-          <p:cNvPr id="12" name="Picture 11" descr="Screenshot_1711388863.png"/>
-          <p:cNvPicPr>
-            <a:picLocks noChangeAspect="1"/>
-          </p:cNvPicPr>
-          <p:nvPr/>
-        </p:nvPicPr>
-        <p:blipFill>
-          <a:blip r:embed="rId3" cstate="print"/>
-          <a:stretch>
-            <a:fillRect/>
-          </a:stretch>
-        </p:blipFill>
-        <p:spPr>
-          <a:xfrm>
-            <a:off x="3162300" y="1295400"/>
-            <a:ext cx="2705100" cy="5410200"/>
-          </a:xfrm>
-          <a:prstGeom prst="rect">
-            <a:avLst/>
-          </a:prstGeom>
-        </p:spPr>
-      </p:pic>
-      <p:pic>
-        <p:nvPicPr>
-          <p:cNvPr id="13" name="Picture 12" descr="Screenshot_1711388868.png"/>
-          <p:cNvPicPr>
-            <a:picLocks noChangeAspect="1"/>
-          </p:cNvPicPr>
-          <p:nvPr/>
-        </p:nvPicPr>
-        <p:blipFill>
-          <a:blip r:embed="rId4" cstate="print"/>
-          <a:stretch>
-            <a:fillRect/>
-          </a:stretch>
-        </p:blipFill>
-        <p:spPr>
-          <a:xfrm>
-            <a:off x="6210300" y="1295400"/>
-            <a:ext cx="2705100" cy="5410200"/>
-          </a:xfrm>
-          <a:prstGeom prst="rect">
-            <a:avLst/>
-          </a:prstGeom>
-        </p:spPr>
-      </p:pic>
-    </p:spTree>
-  </p:cSld>
-  <p:clrMapOvr>
-    <a:masterClrMapping/>
-  </p:clrMapOvr>
-</p:sld>
-</file>
-
-<file path=ppt/slides/slide25.xml><?xml version="1.0" encoding="utf-8"?>
-<p:sld xmlns:a="http://schemas.openxmlformats.org/drawingml/2006/main" xmlns:r="http://schemas.openxmlformats.org/officeDocument/2006/relationships" xmlns:p="http://schemas.openxmlformats.org/presentationml/2006/main">
-  <p:cSld>
-    <p:spTree>
-      <p:nvGrpSpPr>
-        <p:cNvPr id="1" name=""/>
-        <p:cNvGrpSpPr/>
-        <p:nvPr/>
-      </p:nvGrpSpPr>
-      <p:grpSpPr>
-        <a:xfrm>
-          <a:off x="0" y="0"/>
-          <a:ext cx="0" cy="0"/>
-          <a:chOff x="0" y="0"/>
-          <a:chExt cx="0" cy="0"/>
-        </a:xfrm>
-      </p:grpSpPr>
-      <p:sp>
-        <p:nvSpPr>
-          <p:cNvPr id="2" name="Title 1"/>
-          <p:cNvSpPr>
-            <a:spLocks noGrp="1"/>
-          </p:cNvSpPr>
-          <p:nvPr>
-            <p:ph type="title"/>
-          </p:nvPr>
-        </p:nvSpPr>
-        <p:spPr>
-          <a:xfrm>
-            <a:off x="2438400" y="152400"/>
-            <a:ext cx="7315200" cy="868362"/>
-          </a:xfrm>
-        </p:spPr>
-        <p:txBody>
-          <a:bodyPr>
-            <a:normAutofit/>
-          </a:bodyPr>
-          <a:lstStyle/>
-          <a:p>
-            <a:r>
-              <a:rPr lang="en-US" b="1" u="sng" dirty="0" smtClean="0">
-                <a:latin typeface="Palatino Linotype" pitchFamily="18" charset="0"/>
-              </a:rPr>
-              <a:t>Export Excel File</a:t>
-            </a:r>
-            <a:endParaRPr lang="en-US" b="1" u="sng" dirty="0">
-              <a:latin typeface="Palatino Linotype" pitchFamily="18" charset="0"/>
-            </a:endParaRPr>
-          </a:p>
-        </p:txBody>
-      </p:sp>
-      <p:pic>
-        <p:nvPicPr>
-          <p:cNvPr id="14" name="Picture 13" descr="WhatsApp Image 2024-03-25 at 11.31.33 AM.jpeg"/>
+          <p:cNvPr id="10" name="Picture 9" descr="std tabb.png"/>
           <p:cNvPicPr>
             <a:picLocks noChangeAspect="1"/>
           </p:cNvPicPr>
@@ -7399,32 +6649,8 @@
         </p:blipFill>
         <p:spPr>
           <a:xfrm>
-            <a:off x="1600200" y="1219200"/>
-            <a:ext cx="3048000" cy="5420112"/>
-          </a:xfrm>
-          <a:prstGeom prst="rect">
-            <a:avLst/>
-          </a:prstGeom>
-        </p:spPr>
-      </p:pic>
-      <p:pic>
-        <p:nvPicPr>
-          <p:cNvPr id="7" name="Picture 6" descr="WhatsApp Image 2024-03-25 at 11.34.57 PM.jpeg"/>
-          <p:cNvPicPr>
-            <a:picLocks noChangeAspect="1"/>
-          </p:cNvPicPr>
-          <p:nvPr/>
-        </p:nvPicPr>
-        <p:blipFill>
-          <a:blip r:embed="rId3"/>
-          <a:stretch>
-            <a:fillRect/>
-          </a:stretch>
-        </p:blipFill>
-        <p:spPr>
-          <a:xfrm>
-            <a:off x="5181600" y="1219200"/>
-            <a:ext cx="3073336" cy="5424681"/>
+            <a:off x="-618065" y="1209676"/>
+            <a:ext cx="10447865" cy="5876924"/>
           </a:xfrm>
           <a:prstGeom prst="rect">
             <a:avLst/>
@@ -7446,7 +6672,7 @@
 </p:sld>
 </file>
 
-<file path=ppt/slides/slide26.xml><?xml version="1.0" encoding="utf-8"?>
+<file path=ppt/slides/slide21.xml><?xml version="1.0" encoding="utf-8"?>
 <p:sld xmlns:a="http://schemas.openxmlformats.org/drawingml/2006/main" xmlns:r="http://schemas.openxmlformats.org/officeDocument/2006/relationships" xmlns:p="http://schemas.openxmlformats.org/presentationml/2006/main">
   <p:cSld>
     <p:spTree>
@@ -7465,7 +6691,7 @@
       </p:grpSpPr>
       <p:sp>
         <p:nvSpPr>
-          <p:cNvPr id="2" name="Title 1"/>
+          <p:cNvPr id="6" name="Title 5"/>
           <p:cNvSpPr>
             <a:spLocks noGrp="1"/>
           </p:cNvSpPr>
@@ -7475,23 +6701,21 @@
         </p:nvSpPr>
         <p:spPr>
           <a:xfrm>
-            <a:off x="1143000" y="228600"/>
-            <a:ext cx="7498080" cy="1143000"/>
+            <a:off x="457200" y="0"/>
+            <a:ext cx="8229600" cy="1143000"/>
           </a:xfrm>
         </p:spPr>
         <p:txBody>
-          <a:bodyPr>
-            <a:normAutofit fontScale="90000"/>
-          </a:bodyPr>
+          <a:bodyPr/>
           <a:lstStyle/>
           <a:p>
             <a:r>
-              <a:rPr lang="en-US" b="1" u="sng" dirty="0" smtClean="0">
-                <a:latin typeface="Palatino Linotype" pitchFamily="18" charset="0"/>
-              </a:rPr>
-              <a:t>Attendance Records Exported to Excel Sheet</a:t>
-            </a:r>
-            <a:endParaRPr lang="en-US" b="1" u="sng" dirty="0">
+              <a:rPr lang="en-US" u="sng" dirty="0" smtClean="0">
+                <a:latin typeface="Palatino Linotype" pitchFamily="18" charset="0"/>
+              </a:rPr>
+              <a:t>Attendance Tab Overview</a:t>
+            </a:r>
+            <a:endParaRPr lang="en-US" u="sng" dirty="0">
               <a:latin typeface="Palatino Linotype" pitchFamily="18" charset="0"/>
             </a:endParaRPr>
           </a:p>
@@ -7499,7 +6723,7 @@
       </p:sp>
       <p:pic>
         <p:nvPicPr>
-          <p:cNvPr id="3" name="Picture 2" descr="ssssss.jpg"/>
+          <p:cNvPr id="10" name="Picture 9" descr="attendance tab.png"/>
           <p:cNvPicPr>
             <a:picLocks noChangeAspect="1"/>
           </p:cNvPicPr>
@@ -7513,8 +6737,8 @@
         </p:blipFill>
         <p:spPr>
           <a:xfrm>
-            <a:off x="1066800" y="1676400"/>
-            <a:ext cx="7848600" cy="4572000"/>
+            <a:off x="-685800" y="1143000"/>
+            <a:ext cx="10566400" cy="5943600"/>
           </a:xfrm>
           <a:prstGeom prst="rect">
             <a:avLst/>
@@ -7536,7 +6760,7 @@
 </p:sld>
 </file>
 
-<file path=ppt/slides/slide27.xml><?xml version="1.0" encoding="utf-8"?>
+<file path=ppt/slides/slide22.xml><?xml version="1.0" encoding="utf-8"?>
 <p:sld xmlns:a="http://schemas.openxmlformats.org/drawingml/2006/main" xmlns:r="http://schemas.openxmlformats.org/officeDocument/2006/relationships" xmlns:p="http://schemas.openxmlformats.org/presentationml/2006/main">
   <p:cSld>
     <p:spTree>
@@ -7555,7 +6779,7 @@
       </p:grpSpPr>
       <p:sp>
         <p:nvSpPr>
-          <p:cNvPr id="2" name="Title 1"/>
+          <p:cNvPr id="6" name="Title 5"/>
           <p:cNvSpPr>
             <a:spLocks noGrp="1"/>
           </p:cNvSpPr>
@@ -7565,35 +6789,23 @@
         </p:nvSpPr>
         <p:spPr>
           <a:xfrm>
-            <a:off x="1295400" y="0"/>
-            <a:ext cx="7498080" cy="1143000"/>
+            <a:off x="381000" y="0"/>
+            <a:ext cx="8229600" cy="1143000"/>
           </a:xfrm>
         </p:spPr>
         <p:txBody>
           <a:bodyPr>
-            <a:noAutofit/>
+            <a:normAutofit/>
           </a:bodyPr>
           <a:lstStyle/>
           <a:p>
             <a:r>
-              <a:rPr lang="en-US" sz="3600" b="1" u="sng" dirty="0" smtClean="0">
-                <a:latin typeface="Palatino Linotype" pitchFamily="18" charset="0"/>
-              </a:rPr>
-              <a:t>EDIT CLASS + </a:t>
-            </a:r>
-            <a:r>
-              <a:rPr lang="en-US" sz="3600" b="1" u="sng" dirty="0" err="1" smtClean="0">
-                <a:latin typeface="Palatino Linotype" pitchFamily="18" charset="0"/>
-              </a:rPr>
-              <a:t>DELETE+Teacher</a:t>
-            </a:r>
-            <a:r>
-              <a:rPr lang="en-US" sz="3600" b="1" u="sng" dirty="0" smtClean="0">
-                <a:latin typeface="Palatino Linotype" pitchFamily="18" charset="0"/>
-              </a:rPr>
-              <a:t> Profile(P)</a:t>
-            </a:r>
-            <a:endParaRPr lang="en-US" sz="3600" b="1" u="sng" dirty="0">
+              <a:rPr lang="en-US" u="sng" dirty="0" smtClean="0">
+                <a:latin typeface="Palatino Linotype" pitchFamily="18" charset="0"/>
+              </a:rPr>
+              <a:t>History Tab Overview</a:t>
+            </a:r>
+            <a:endParaRPr lang="en-US" u="sng" dirty="0">
               <a:latin typeface="Palatino Linotype" pitchFamily="18" charset="0"/>
             </a:endParaRPr>
           </a:p>
@@ -7601,94 +6813,22 @@
       </p:sp>
       <p:pic>
         <p:nvPicPr>
-          <p:cNvPr id="8" name="Picture 7" descr="Screenshot_1711389170.png"/>
+          <p:cNvPr id="10" name="Picture 9" descr="histroy tab.png"/>
           <p:cNvPicPr>
             <a:picLocks noChangeAspect="1"/>
           </p:cNvPicPr>
           <p:nvPr/>
         </p:nvPicPr>
         <p:blipFill>
-          <a:blip r:embed="rId2" cstate="print"/>
+          <a:blip r:embed="rId2"/>
           <a:stretch>
             <a:fillRect/>
           </a:stretch>
         </p:blipFill>
         <p:spPr>
           <a:xfrm>
-            <a:off x="3581400" y="1295400"/>
-            <a:ext cx="2667000" cy="5410200"/>
-          </a:xfrm>
-          <a:prstGeom prst="rect">
-            <a:avLst/>
-          </a:prstGeom>
-        </p:spPr>
-      </p:pic>
-      <p:pic>
-        <p:nvPicPr>
-          <p:cNvPr id="9" name="Picture 8" descr="Screenshot_1711389163.png"/>
-          <p:cNvPicPr>
-            <a:picLocks noChangeAspect="1"/>
-          </p:cNvPicPr>
-          <p:nvPr/>
-        </p:nvPicPr>
-        <p:blipFill>
-          <a:blip r:embed="rId3" cstate="print"/>
-          <a:stretch>
-            <a:fillRect/>
-          </a:stretch>
-        </p:blipFill>
-        <p:spPr>
-          <a:xfrm>
-            <a:off x="914400" y="1295400"/>
-            <a:ext cx="2667000" cy="5410200"/>
-          </a:xfrm>
-          <a:prstGeom prst="rect">
-            <a:avLst/>
-          </a:prstGeom>
-        </p:spPr>
-      </p:pic>
-      <p:pic>
-        <p:nvPicPr>
-          <p:cNvPr id="10" name="Picture 9" descr="Screenshot_1711389139.png"/>
-          <p:cNvPicPr>
-            <a:picLocks noChangeAspect="1"/>
-          </p:cNvPicPr>
-          <p:nvPr/>
-        </p:nvPicPr>
-        <p:blipFill>
-          <a:blip r:embed="rId4" cstate="print"/>
-          <a:stretch>
-            <a:fillRect/>
-          </a:stretch>
-        </p:blipFill>
-        <p:spPr>
-          <a:xfrm>
-            <a:off x="6286500" y="1295400"/>
-            <a:ext cx="2705100" cy="5410200"/>
-          </a:xfrm>
-          <a:prstGeom prst="rect">
-            <a:avLst/>
-          </a:prstGeom>
-        </p:spPr>
-      </p:pic>
-      <p:pic>
-        <p:nvPicPr>
-          <p:cNvPr id="6" name="Picture 5" descr="Screenshot_1716572413.png"/>
-          <p:cNvPicPr>
-            <a:picLocks noChangeAspect="1"/>
-          </p:cNvPicPr>
-          <p:nvPr/>
-        </p:nvPicPr>
-        <p:blipFill>
-          <a:blip r:embed="rId5" cstate="print"/>
-          <a:stretch>
-            <a:fillRect/>
-          </a:stretch>
-        </p:blipFill>
-        <p:spPr>
-          <a:xfrm>
-            <a:off x="6248400" y="1295400"/>
-            <a:ext cx="2705100" cy="5410200"/>
+            <a:off x="-1930400" y="395287"/>
+            <a:ext cx="12979400" cy="7300913"/>
           </a:xfrm>
           <a:prstGeom prst="rect">
             <a:avLst/>
@@ -7700,10 +6840,17 @@
   <p:clrMapOvr>
     <a:masterClrMapping/>
   </p:clrMapOvr>
+  <p:timing>
+    <p:tnLst>
+      <p:par>
+        <p:cTn id="1" dur="indefinite" restart="never" nodeType="tmRoot"/>
+      </p:par>
+    </p:tnLst>
+  </p:timing>
 </p:sld>
 </file>
 
-<file path=ppt/slides/slide28.xml><?xml version="1.0" encoding="utf-8"?>
+<file path=ppt/slides/slide23.xml><?xml version="1.0" encoding="utf-8"?>
 <p:sld xmlns:a="http://schemas.openxmlformats.org/drawingml/2006/main" xmlns:r="http://schemas.openxmlformats.org/officeDocument/2006/relationships" xmlns:p="http://schemas.openxmlformats.org/presentationml/2006/main">
   <p:cSld>
     <p:spTree>
@@ -7722,6 +6869,186 @@
       </p:grpSpPr>
       <p:sp>
         <p:nvSpPr>
+          <p:cNvPr id="6" name="Title 5"/>
+          <p:cNvSpPr>
+            <a:spLocks noGrp="1"/>
+          </p:cNvSpPr>
+          <p:nvPr>
+            <p:ph type="title"/>
+          </p:nvPr>
+        </p:nvSpPr>
+        <p:spPr>
+          <a:xfrm>
+            <a:off x="381000" y="0"/>
+            <a:ext cx="8229600" cy="1143000"/>
+          </a:xfrm>
+        </p:spPr>
+        <p:txBody>
+          <a:bodyPr>
+            <a:normAutofit/>
+          </a:bodyPr>
+          <a:lstStyle/>
+          <a:p>
+            <a:r>
+              <a:rPr lang="en-US" u="sng" dirty="0" smtClean="0">
+                <a:latin typeface="Palatino Linotype" pitchFamily="18" charset="0"/>
+              </a:rPr>
+              <a:t>Exported Attendance Sheet</a:t>
+            </a:r>
+            <a:endParaRPr lang="en-US" u="sng" dirty="0">
+              <a:latin typeface="Palatino Linotype" pitchFamily="18" charset="0"/>
+            </a:endParaRPr>
+          </a:p>
+        </p:txBody>
+      </p:sp>
+      <p:pic>
+        <p:nvPicPr>
+          <p:cNvPr id="7" name="Picture 6" descr="exported sheet.png"/>
+          <p:cNvPicPr>
+            <a:picLocks noChangeAspect="1"/>
+          </p:cNvPicPr>
+          <p:nvPr/>
+        </p:nvPicPr>
+        <p:blipFill>
+          <a:blip r:embed="rId2"/>
+          <a:stretch>
+            <a:fillRect/>
+          </a:stretch>
+        </p:blipFill>
+        <p:spPr>
+          <a:xfrm>
+            <a:off x="-1600200" y="762000"/>
+            <a:ext cx="11921066" cy="6705600"/>
+          </a:xfrm>
+          <a:prstGeom prst="rect">
+            <a:avLst/>
+          </a:prstGeom>
+        </p:spPr>
+      </p:pic>
+    </p:spTree>
+  </p:cSld>
+  <p:clrMapOvr>
+    <a:masterClrMapping/>
+  </p:clrMapOvr>
+  <p:timing>
+    <p:tnLst>
+      <p:par>
+        <p:cTn id="1" dur="indefinite" restart="never" nodeType="tmRoot"/>
+      </p:par>
+    </p:tnLst>
+  </p:timing>
+</p:sld>
+</file>
+
+<file path=ppt/slides/slide24.xml><?xml version="1.0" encoding="utf-8"?>
+<p:sld xmlns:a="http://schemas.openxmlformats.org/drawingml/2006/main" xmlns:r="http://schemas.openxmlformats.org/officeDocument/2006/relationships" xmlns:p="http://schemas.openxmlformats.org/presentationml/2006/main">
+  <p:cSld>
+    <p:spTree>
+      <p:nvGrpSpPr>
+        <p:cNvPr id="1" name=""/>
+        <p:cNvGrpSpPr/>
+        <p:nvPr/>
+      </p:nvGrpSpPr>
+      <p:grpSpPr>
+        <a:xfrm>
+          <a:off x="0" y="0"/>
+          <a:ext cx="0" cy="0"/>
+          <a:chOff x="0" y="0"/>
+          <a:chExt cx="0" cy="0"/>
+        </a:xfrm>
+      </p:grpSpPr>
+      <p:sp>
+        <p:nvSpPr>
+          <p:cNvPr id="6" name="Title 5"/>
+          <p:cNvSpPr>
+            <a:spLocks noGrp="1"/>
+          </p:cNvSpPr>
+          <p:nvPr>
+            <p:ph type="title"/>
+          </p:nvPr>
+        </p:nvSpPr>
+        <p:spPr>
+          <a:xfrm>
+            <a:off x="381000" y="0"/>
+            <a:ext cx="8229600" cy="1143000"/>
+          </a:xfrm>
+        </p:spPr>
+        <p:txBody>
+          <a:bodyPr>
+            <a:normAutofit fontScale="90000"/>
+          </a:bodyPr>
+          <a:lstStyle/>
+          <a:p>
+            <a:r>
+              <a:rPr lang="en-US" u="sng" dirty="0" smtClean="0">
+                <a:latin typeface="Palatino Linotype" pitchFamily="18" charset="0"/>
+              </a:rPr>
+              <a:t>Attendance Records Exported to Excel Sheet</a:t>
+            </a:r>
+            <a:endParaRPr lang="en-US" u="sng" dirty="0">
+              <a:latin typeface="Palatino Linotype" pitchFamily="18" charset="0"/>
+            </a:endParaRPr>
+          </a:p>
+        </p:txBody>
+      </p:sp>
+      <p:pic>
+        <p:nvPicPr>
+          <p:cNvPr id="4" name="Picture 3" descr="ssssss.jpg"/>
+          <p:cNvPicPr>
+            <a:picLocks noChangeAspect="1"/>
+          </p:cNvPicPr>
+          <p:nvPr/>
+        </p:nvPicPr>
+        <p:blipFill>
+          <a:blip r:embed="rId2"/>
+          <a:stretch>
+            <a:fillRect/>
+          </a:stretch>
+        </p:blipFill>
+        <p:spPr>
+          <a:xfrm>
+            <a:off x="20320" y="1543235"/>
+            <a:ext cx="9123680" cy="5314765"/>
+          </a:xfrm>
+          <a:prstGeom prst="rect">
+            <a:avLst/>
+          </a:prstGeom>
+        </p:spPr>
+      </p:pic>
+    </p:spTree>
+  </p:cSld>
+  <p:clrMapOvr>
+    <a:masterClrMapping/>
+  </p:clrMapOvr>
+  <p:timing>
+    <p:tnLst>
+      <p:par>
+        <p:cTn id="1" dur="indefinite" restart="never" nodeType="tmRoot"/>
+      </p:par>
+    </p:tnLst>
+  </p:timing>
+</p:sld>
+</file>
+
+<file path=ppt/slides/slide25.xml><?xml version="1.0" encoding="utf-8"?>
+<p:sld xmlns:a="http://schemas.openxmlformats.org/drawingml/2006/main" xmlns:r="http://schemas.openxmlformats.org/officeDocument/2006/relationships" xmlns:p="http://schemas.openxmlformats.org/presentationml/2006/main">
+  <p:cSld>
+    <p:spTree>
+      <p:nvGrpSpPr>
+        <p:cNvPr id="1" name=""/>
+        <p:cNvGrpSpPr/>
+        <p:nvPr/>
+      </p:nvGrpSpPr>
+      <p:grpSpPr>
+        <a:xfrm>
+          <a:off x="0" y="0"/>
+          <a:ext cx="0" cy="0"/>
+          <a:chOff x="0" y="0"/>
+          <a:chExt cx="0" cy="0"/>
+        </a:xfrm>
+      </p:grpSpPr>
+      <p:sp>
+        <p:nvSpPr>
           <p:cNvPr id="2" name="Title 1"/>
           <p:cNvSpPr>
             <a:spLocks noGrp="1"/>
@@ -7805,10 +7132,17 @@
   <p:clrMapOvr>
     <a:masterClrMapping/>
   </p:clrMapOvr>
+  <p:timing>
+    <p:tnLst>
+      <p:par>
+        <p:cTn id="1" dur="indefinite" restart="never" nodeType="tmRoot"/>
+      </p:par>
+    </p:tnLst>
+  </p:timing>
 </p:sld>
 </file>
 
-<file path=ppt/slides/slide29.xml><?xml version="1.0" encoding="utf-8"?>
+<file path=ppt/slides/slide26.xml><?xml version="1.0" encoding="utf-8"?>
 <p:sld xmlns:a="http://schemas.openxmlformats.org/drawingml/2006/main" xmlns:r="http://schemas.openxmlformats.org/officeDocument/2006/relationships" xmlns:p="http://schemas.openxmlformats.org/presentationml/2006/main">
   <p:cSld>
     <p:spTree>
@@ -7854,6 +7188,246 @@
   <p:clrMapOvr>
     <a:masterClrMapping/>
   </p:clrMapOvr>
+  <p:timing>
+    <p:tnLst>
+      <p:par>
+        <p:cTn id="1" dur="indefinite" restart="never" nodeType="tmRoot"/>
+      </p:par>
+    </p:tnLst>
+  </p:timing>
+</p:sld>
+</file>
+
+<file path=ppt/slides/slide27.xml><?xml version="1.0" encoding="utf-8"?>
+<p:sld xmlns:a="http://schemas.openxmlformats.org/drawingml/2006/main" xmlns:r="http://schemas.openxmlformats.org/officeDocument/2006/relationships" xmlns:p="http://schemas.openxmlformats.org/presentationml/2006/main">
+  <p:cSld>
+    <p:spTree>
+      <p:nvGrpSpPr>
+        <p:cNvPr id="1" name=""/>
+        <p:cNvGrpSpPr/>
+        <p:nvPr/>
+      </p:nvGrpSpPr>
+      <p:grpSpPr>
+        <a:xfrm>
+          <a:off x="0" y="0"/>
+          <a:ext cx="0" cy="0"/>
+          <a:chOff x="0" y="0"/>
+          <a:chExt cx="0" cy="0"/>
+        </a:xfrm>
+      </p:grpSpPr>
+      <p:sp>
+        <p:nvSpPr>
+          <p:cNvPr id="2" name="Title 1"/>
+          <p:cNvSpPr>
+            <a:spLocks noGrp="1"/>
+          </p:cNvSpPr>
+          <p:nvPr>
+            <p:ph type="title"/>
+          </p:nvPr>
+        </p:nvSpPr>
+        <p:spPr/>
+        <p:txBody>
+          <a:bodyPr>
+            <a:normAutofit fontScale="90000"/>
+          </a:bodyPr>
+          <a:lstStyle/>
+          <a:p>
+            <a:r>
+              <a:rPr lang="en-US" b="1" u="sng" dirty="0" smtClean="0">
+                <a:latin typeface="Palatino Linotype" pitchFamily="18" charset="0"/>
+              </a:rPr>
+              <a:t>Today Student Attendance States</a:t>
+            </a:r>
+            <a:endParaRPr lang="en-US" b="1" u="sng" dirty="0">
+              <a:latin typeface="Palatino Linotype" pitchFamily="18" charset="0"/>
+            </a:endParaRPr>
+          </a:p>
+        </p:txBody>
+      </p:sp>
+      <p:pic>
+        <p:nvPicPr>
+          <p:cNvPr id="5" name="Picture 4" descr="2.jpg"/>
+          <p:cNvPicPr>
+            <a:picLocks noChangeAspect="1"/>
+          </p:cNvPicPr>
+          <p:nvPr/>
+        </p:nvPicPr>
+        <p:blipFill>
+          <a:blip r:embed="rId2"/>
+          <a:stretch>
+            <a:fillRect/>
+          </a:stretch>
+        </p:blipFill>
+        <p:spPr>
+          <a:xfrm>
+            <a:off x="3124200" y="1066800"/>
+            <a:ext cx="4705328" cy="5486400"/>
+          </a:xfrm>
+          <a:prstGeom prst="rect">
+            <a:avLst/>
+          </a:prstGeom>
+        </p:spPr>
+      </p:pic>
+    </p:spTree>
+  </p:cSld>
+  <p:clrMapOvr>
+    <a:masterClrMapping/>
+  </p:clrMapOvr>
+  <p:timing>
+    <p:tnLst>
+      <p:par>
+        <p:cTn id="1" dur="indefinite" restart="never" nodeType="tmRoot"/>
+      </p:par>
+    </p:tnLst>
+  </p:timing>
+</p:sld>
+</file>
+
+<file path=ppt/slides/slide28.xml><?xml version="1.0" encoding="utf-8"?>
+<p:sld xmlns:a="http://schemas.openxmlformats.org/drawingml/2006/main" xmlns:r="http://schemas.openxmlformats.org/officeDocument/2006/relationships" xmlns:p="http://schemas.openxmlformats.org/presentationml/2006/main">
+  <p:cSld>
+    <p:spTree>
+      <p:nvGrpSpPr>
+        <p:cNvPr id="1" name=""/>
+        <p:cNvGrpSpPr/>
+        <p:nvPr/>
+      </p:nvGrpSpPr>
+      <p:grpSpPr>
+        <a:xfrm>
+          <a:off x="0" y="0"/>
+          <a:ext cx="0" cy="0"/>
+          <a:chOff x="0" y="0"/>
+          <a:chExt cx="0" cy="0"/>
+        </a:xfrm>
+      </p:grpSpPr>
+      <p:sp>
+        <p:nvSpPr>
+          <p:cNvPr id="2" name="Title 1"/>
+          <p:cNvSpPr>
+            <a:spLocks noGrp="1"/>
+          </p:cNvSpPr>
+          <p:nvPr>
+            <p:ph type="title"/>
+          </p:nvPr>
+        </p:nvSpPr>
+        <p:spPr/>
+        <p:txBody>
+          <a:bodyPr/>
+          <a:lstStyle/>
+          <a:p>
+            <a:endParaRPr lang="en-US"/>
+          </a:p>
+        </p:txBody>
+      </p:sp>
+      <p:pic>
+        <p:nvPicPr>
+          <p:cNvPr id="5" name="Content Placeholder 4" descr="fac.jpg"/>
+          <p:cNvPicPr>
+            <a:picLocks noGrp="1" noChangeAspect="1"/>
+          </p:cNvPicPr>
+          <p:nvPr>
+            <p:ph sz="half" idx="1"/>
+          </p:nvPr>
+        </p:nvPicPr>
+        <p:blipFill>
+          <a:blip r:embed="rId2"/>
+          <a:stretch>
+            <a:fillRect/>
+          </a:stretch>
+        </p:blipFill>
+        <p:spPr>
+          <a:xfrm>
+            <a:off x="0" y="0"/>
+            <a:ext cx="9091830" cy="6858000"/>
+          </a:xfrm>
+        </p:spPr>
+      </p:pic>
+    </p:spTree>
+  </p:cSld>
+  <p:clrMapOvr>
+    <a:masterClrMapping/>
+  </p:clrMapOvr>
+  <p:timing>
+    <p:tnLst>
+      <p:par>
+        <p:cTn id="1" dur="indefinite" restart="never" nodeType="tmRoot"/>
+      </p:par>
+    </p:tnLst>
+  </p:timing>
+</p:sld>
+</file>
+
+<file path=ppt/slides/slide29.xml><?xml version="1.0" encoding="utf-8"?>
+<p:sld xmlns:a="http://schemas.openxmlformats.org/drawingml/2006/main" xmlns:r="http://schemas.openxmlformats.org/officeDocument/2006/relationships" xmlns:p="http://schemas.openxmlformats.org/presentationml/2006/main">
+  <p:cSld>
+    <p:spTree>
+      <p:nvGrpSpPr>
+        <p:cNvPr id="1" name=""/>
+        <p:cNvGrpSpPr/>
+        <p:nvPr/>
+      </p:nvGrpSpPr>
+      <p:grpSpPr>
+        <a:xfrm>
+          <a:off x="0" y="0"/>
+          <a:ext cx="0" cy="0"/>
+          <a:chOff x="0" y="0"/>
+          <a:chExt cx="0" cy="0"/>
+        </a:xfrm>
+      </p:grpSpPr>
+      <p:sp>
+        <p:nvSpPr>
+          <p:cNvPr id="2" name="Title 1"/>
+          <p:cNvSpPr>
+            <a:spLocks noGrp="1"/>
+          </p:cNvSpPr>
+          <p:nvPr>
+            <p:ph type="title"/>
+          </p:nvPr>
+        </p:nvSpPr>
+        <p:spPr/>
+        <p:txBody>
+          <a:bodyPr/>
+          <a:lstStyle/>
+          <a:p>
+            <a:endParaRPr lang="en-US"/>
+          </a:p>
+        </p:txBody>
+      </p:sp>
+      <p:pic>
+        <p:nvPicPr>
+          <p:cNvPr id="5" name="Content Placeholder 4" descr="c;ass.jpg"/>
+          <p:cNvPicPr>
+            <a:picLocks noGrp="1" noChangeAspect="1"/>
+          </p:cNvPicPr>
+          <p:nvPr>
+            <p:ph sz="half" idx="1"/>
+          </p:nvPr>
+        </p:nvPicPr>
+        <p:blipFill>
+          <a:blip r:embed="rId2"/>
+          <a:stretch>
+            <a:fillRect/>
+          </a:stretch>
+        </p:blipFill>
+        <p:spPr>
+          <a:xfrm>
+            <a:off x="-1" y="0"/>
+            <a:ext cx="9123977" cy="6705600"/>
+          </a:xfrm>
+        </p:spPr>
+      </p:pic>
+    </p:spTree>
+  </p:cSld>
+  <p:clrMapOvr>
+    <a:masterClrMapping/>
+  </p:clrMapOvr>
+  <p:timing>
+    <p:tnLst>
+      <p:par>
+        <p:cTn id="1" dur="indefinite" restart="never" nodeType="tmRoot"/>
+      </p:par>
+    </p:tnLst>
+  </p:timing>
 </p:sld>
 </file>
 
@@ -8071,218 +7645,6 @@
         </p:nvSpPr>
         <p:spPr/>
         <p:txBody>
-          <a:bodyPr>
-            <a:normAutofit fontScale="90000"/>
-          </a:bodyPr>
-          <a:lstStyle/>
-          <a:p>
-            <a:r>
-              <a:rPr lang="en-US" b="1" u="sng" dirty="0" smtClean="0">
-                <a:latin typeface="Palatino Linotype" pitchFamily="18" charset="0"/>
-              </a:rPr>
-              <a:t>Today Student Attendance States</a:t>
-            </a:r>
-            <a:endParaRPr lang="en-US" b="1" u="sng" dirty="0">
-              <a:latin typeface="Palatino Linotype" pitchFamily="18" charset="0"/>
-            </a:endParaRPr>
-          </a:p>
-        </p:txBody>
-      </p:sp>
-      <p:pic>
-        <p:nvPicPr>
-          <p:cNvPr id="5" name="Picture 4" descr="2.jpg"/>
-          <p:cNvPicPr>
-            <a:picLocks noChangeAspect="1"/>
-          </p:cNvPicPr>
-          <p:nvPr/>
-        </p:nvPicPr>
-        <p:blipFill>
-          <a:blip r:embed="rId2"/>
-          <a:stretch>
-            <a:fillRect/>
-          </a:stretch>
-        </p:blipFill>
-        <p:spPr>
-          <a:xfrm>
-            <a:off x="3124200" y="1066800"/>
-            <a:ext cx="4705328" cy="5486400"/>
-          </a:xfrm>
-          <a:prstGeom prst="rect">
-            <a:avLst/>
-          </a:prstGeom>
-        </p:spPr>
-      </p:pic>
-    </p:spTree>
-  </p:cSld>
-  <p:clrMapOvr>
-    <a:masterClrMapping/>
-  </p:clrMapOvr>
-</p:sld>
-</file>
-
-<file path=ppt/slides/slide31.xml><?xml version="1.0" encoding="utf-8"?>
-<p:sld xmlns:a="http://schemas.openxmlformats.org/drawingml/2006/main" xmlns:r="http://schemas.openxmlformats.org/officeDocument/2006/relationships" xmlns:p="http://schemas.openxmlformats.org/presentationml/2006/main">
-  <p:cSld>
-    <p:spTree>
-      <p:nvGrpSpPr>
-        <p:cNvPr id="1" name=""/>
-        <p:cNvGrpSpPr/>
-        <p:nvPr/>
-      </p:nvGrpSpPr>
-      <p:grpSpPr>
-        <a:xfrm>
-          <a:off x="0" y="0"/>
-          <a:ext cx="0" cy="0"/>
-          <a:chOff x="0" y="0"/>
-          <a:chExt cx="0" cy="0"/>
-        </a:xfrm>
-      </p:grpSpPr>
-      <p:sp>
-        <p:nvSpPr>
-          <p:cNvPr id="2" name="Title 1"/>
-          <p:cNvSpPr>
-            <a:spLocks noGrp="1"/>
-          </p:cNvSpPr>
-          <p:nvPr>
-            <p:ph type="title"/>
-          </p:nvPr>
-        </p:nvSpPr>
-        <p:spPr/>
-        <p:txBody>
-          <a:bodyPr/>
-          <a:lstStyle/>
-          <a:p>
-            <a:endParaRPr lang="en-US"/>
-          </a:p>
-        </p:txBody>
-      </p:sp>
-      <p:pic>
-        <p:nvPicPr>
-          <p:cNvPr id="5" name="Content Placeholder 4" descr="fac.jpg"/>
-          <p:cNvPicPr>
-            <a:picLocks noGrp="1" noChangeAspect="1"/>
-          </p:cNvPicPr>
-          <p:nvPr>
-            <p:ph sz="half" idx="1"/>
-          </p:nvPr>
-        </p:nvPicPr>
-        <p:blipFill>
-          <a:blip r:embed="rId2"/>
-          <a:stretch>
-            <a:fillRect/>
-          </a:stretch>
-        </p:blipFill>
-        <p:spPr>
-          <a:xfrm>
-            <a:off x="0" y="0"/>
-            <a:ext cx="9091830" cy="6858000"/>
-          </a:xfrm>
-        </p:spPr>
-      </p:pic>
-    </p:spTree>
-  </p:cSld>
-  <p:clrMapOvr>
-    <a:masterClrMapping/>
-  </p:clrMapOvr>
-</p:sld>
-</file>
-
-<file path=ppt/slides/slide32.xml><?xml version="1.0" encoding="utf-8"?>
-<p:sld xmlns:a="http://schemas.openxmlformats.org/drawingml/2006/main" xmlns:r="http://schemas.openxmlformats.org/officeDocument/2006/relationships" xmlns:p="http://schemas.openxmlformats.org/presentationml/2006/main">
-  <p:cSld>
-    <p:spTree>
-      <p:nvGrpSpPr>
-        <p:cNvPr id="1" name=""/>
-        <p:cNvGrpSpPr/>
-        <p:nvPr/>
-      </p:nvGrpSpPr>
-      <p:grpSpPr>
-        <a:xfrm>
-          <a:off x="0" y="0"/>
-          <a:ext cx="0" cy="0"/>
-          <a:chOff x="0" y="0"/>
-          <a:chExt cx="0" cy="0"/>
-        </a:xfrm>
-      </p:grpSpPr>
-      <p:sp>
-        <p:nvSpPr>
-          <p:cNvPr id="2" name="Title 1"/>
-          <p:cNvSpPr>
-            <a:spLocks noGrp="1"/>
-          </p:cNvSpPr>
-          <p:nvPr>
-            <p:ph type="title"/>
-          </p:nvPr>
-        </p:nvSpPr>
-        <p:spPr/>
-        <p:txBody>
-          <a:bodyPr/>
-          <a:lstStyle/>
-          <a:p>
-            <a:endParaRPr lang="en-US"/>
-          </a:p>
-        </p:txBody>
-      </p:sp>
-      <p:pic>
-        <p:nvPicPr>
-          <p:cNvPr id="5" name="Content Placeholder 4" descr="c;ass.jpg"/>
-          <p:cNvPicPr>
-            <a:picLocks noGrp="1" noChangeAspect="1"/>
-          </p:cNvPicPr>
-          <p:nvPr>
-            <p:ph sz="half" idx="1"/>
-          </p:nvPr>
-        </p:nvPicPr>
-        <p:blipFill>
-          <a:blip r:embed="rId2"/>
-          <a:stretch>
-            <a:fillRect/>
-          </a:stretch>
-        </p:blipFill>
-        <p:spPr>
-          <a:xfrm>
-            <a:off x="-1" y="0"/>
-            <a:ext cx="9123977" cy="6705600"/>
-          </a:xfrm>
-        </p:spPr>
-      </p:pic>
-    </p:spTree>
-  </p:cSld>
-  <p:clrMapOvr>
-    <a:masterClrMapping/>
-  </p:clrMapOvr>
-</p:sld>
-</file>
-
-<file path=ppt/slides/slide33.xml><?xml version="1.0" encoding="utf-8"?>
-<p:sld xmlns:a="http://schemas.openxmlformats.org/drawingml/2006/main" xmlns:r="http://schemas.openxmlformats.org/officeDocument/2006/relationships" xmlns:p="http://schemas.openxmlformats.org/presentationml/2006/main">
-  <p:cSld>
-    <p:spTree>
-      <p:nvGrpSpPr>
-        <p:cNvPr id="1" name=""/>
-        <p:cNvGrpSpPr/>
-        <p:nvPr/>
-      </p:nvGrpSpPr>
-      <p:grpSpPr>
-        <a:xfrm>
-          <a:off x="0" y="0"/>
-          <a:ext cx="0" cy="0"/>
-          <a:chOff x="0" y="0"/>
-          <a:chExt cx="0" cy="0"/>
-        </a:xfrm>
-      </p:grpSpPr>
-      <p:sp>
-        <p:nvSpPr>
-          <p:cNvPr id="2" name="Title 1"/>
-          <p:cNvSpPr>
-            <a:spLocks noGrp="1"/>
-          </p:cNvSpPr>
-          <p:nvPr>
-            <p:ph type="title"/>
-          </p:nvPr>
-        </p:nvSpPr>
-        <p:spPr/>
-        <p:txBody>
           <a:bodyPr/>
           <a:lstStyle/>
           <a:p>
@@ -8319,6 +7681,235 @@
   <p:clrMapOvr>
     <a:masterClrMapping/>
   </p:clrMapOvr>
+  <p:timing>
+    <p:tnLst>
+      <p:par>
+        <p:cTn id="1" dur="indefinite" restart="never" nodeType="tmRoot"/>
+      </p:par>
+    </p:tnLst>
+  </p:timing>
+</p:sld>
+</file>
+
+<file path=ppt/slides/slide31.xml><?xml version="1.0" encoding="utf-8"?>
+<p:sld xmlns:a="http://schemas.openxmlformats.org/drawingml/2006/main" xmlns:r="http://schemas.openxmlformats.org/officeDocument/2006/relationships" xmlns:p="http://schemas.openxmlformats.org/presentationml/2006/main">
+  <p:cSld>
+    <p:spTree>
+      <p:nvGrpSpPr>
+        <p:cNvPr id="1" name=""/>
+        <p:cNvGrpSpPr/>
+        <p:nvPr/>
+      </p:nvGrpSpPr>
+      <p:grpSpPr>
+        <a:xfrm>
+          <a:off x="0" y="0"/>
+          <a:ext cx="0" cy="0"/>
+          <a:chOff x="0" y="0"/>
+          <a:chExt cx="0" cy="0"/>
+        </a:xfrm>
+      </p:grpSpPr>
+      <p:sp>
+        <p:nvSpPr>
+          <p:cNvPr id="2" name="Title 1"/>
+          <p:cNvSpPr>
+            <a:spLocks noGrp="1"/>
+          </p:cNvSpPr>
+          <p:nvPr>
+            <p:ph type="title"/>
+          </p:nvPr>
+        </p:nvSpPr>
+        <p:spPr/>
+        <p:txBody>
+          <a:bodyPr/>
+          <a:lstStyle/>
+          <a:p>
+            <a:endParaRPr lang="en-US"/>
+          </a:p>
+        </p:txBody>
+      </p:sp>
+      <p:pic>
+        <p:nvPicPr>
+          <p:cNvPr id="5" name="Content Placeholder 4" descr="std.jpg"/>
+          <p:cNvPicPr>
+            <a:picLocks noGrp="1" noChangeAspect="1"/>
+          </p:cNvPicPr>
+          <p:nvPr>
+            <p:ph sz="half" idx="1"/>
+          </p:nvPr>
+        </p:nvPicPr>
+        <p:blipFill>
+          <a:blip r:embed="rId2"/>
+          <a:stretch>
+            <a:fillRect/>
+          </a:stretch>
+        </p:blipFill>
+        <p:spPr>
+          <a:xfrm>
+            <a:off x="-1" y="0"/>
+            <a:ext cx="9114129" cy="6858000"/>
+          </a:xfrm>
+        </p:spPr>
+      </p:pic>
+    </p:spTree>
+  </p:cSld>
+  <p:clrMapOvr>
+    <a:masterClrMapping/>
+  </p:clrMapOvr>
+  <p:timing>
+    <p:tnLst>
+      <p:par>
+        <p:cTn id="1" dur="indefinite" restart="never" nodeType="tmRoot"/>
+      </p:par>
+    </p:tnLst>
+  </p:timing>
+</p:sld>
+</file>
+
+<file path=ppt/slides/slide32.xml><?xml version="1.0" encoding="utf-8"?>
+<p:sld xmlns:a="http://schemas.openxmlformats.org/drawingml/2006/main" xmlns:r="http://schemas.openxmlformats.org/officeDocument/2006/relationships" xmlns:p="http://schemas.openxmlformats.org/presentationml/2006/main">
+  <p:cSld>
+    <p:spTree>
+      <p:nvGrpSpPr>
+        <p:cNvPr id="1" name=""/>
+        <p:cNvGrpSpPr/>
+        <p:nvPr/>
+      </p:nvGrpSpPr>
+      <p:grpSpPr>
+        <a:xfrm>
+          <a:off x="0" y="0"/>
+          <a:ext cx="0" cy="0"/>
+          <a:chOff x="0" y="0"/>
+          <a:chExt cx="0" cy="0"/>
+        </a:xfrm>
+      </p:grpSpPr>
+      <p:sp>
+        <p:nvSpPr>
+          <p:cNvPr id="2" name="Title 1"/>
+          <p:cNvSpPr>
+            <a:spLocks noGrp="1"/>
+          </p:cNvSpPr>
+          <p:nvPr>
+            <p:ph type="title"/>
+          </p:nvPr>
+        </p:nvSpPr>
+        <p:spPr/>
+        <p:txBody>
+          <a:bodyPr/>
+          <a:lstStyle/>
+          <a:p>
+            <a:endParaRPr lang="en-US"/>
+          </a:p>
+        </p:txBody>
+      </p:sp>
+      <p:pic>
+        <p:nvPicPr>
+          <p:cNvPr id="5" name="Content Placeholder 4" descr="attnd.jpg"/>
+          <p:cNvPicPr>
+            <a:picLocks noGrp="1" noChangeAspect="1"/>
+          </p:cNvPicPr>
+          <p:nvPr>
+            <p:ph sz="half" idx="1"/>
+          </p:nvPr>
+        </p:nvPicPr>
+        <p:blipFill>
+          <a:blip r:embed="rId2"/>
+          <a:stretch>
+            <a:fillRect/>
+          </a:stretch>
+        </p:blipFill>
+        <p:spPr>
+          <a:xfrm>
+            <a:off x="-1" y="0"/>
+            <a:ext cx="9175309" cy="6705600"/>
+          </a:xfrm>
+        </p:spPr>
+      </p:pic>
+    </p:spTree>
+  </p:cSld>
+  <p:clrMapOvr>
+    <a:masterClrMapping/>
+  </p:clrMapOvr>
+  <p:timing>
+    <p:tnLst>
+      <p:par>
+        <p:cTn id="1" dur="indefinite" restart="never" nodeType="tmRoot"/>
+      </p:par>
+    </p:tnLst>
+  </p:timing>
+</p:sld>
+</file>
+
+<file path=ppt/slides/slide33.xml><?xml version="1.0" encoding="utf-8"?>
+<p:sld xmlns:a="http://schemas.openxmlformats.org/drawingml/2006/main" xmlns:r="http://schemas.openxmlformats.org/officeDocument/2006/relationships" xmlns:p="http://schemas.openxmlformats.org/presentationml/2006/main">
+  <p:cSld>
+    <p:spTree>
+      <p:nvGrpSpPr>
+        <p:cNvPr id="1" name=""/>
+        <p:cNvGrpSpPr/>
+        <p:nvPr/>
+      </p:nvGrpSpPr>
+      <p:grpSpPr>
+        <a:xfrm>
+          <a:off x="0" y="0"/>
+          <a:ext cx="0" cy="0"/>
+          <a:chOff x="0" y="0"/>
+          <a:chExt cx="0" cy="0"/>
+        </a:xfrm>
+      </p:grpSpPr>
+      <p:sp>
+        <p:nvSpPr>
+          <p:cNvPr id="2" name="Title 1"/>
+          <p:cNvSpPr>
+            <a:spLocks noGrp="1"/>
+          </p:cNvSpPr>
+          <p:nvPr>
+            <p:ph type="title"/>
+          </p:nvPr>
+        </p:nvSpPr>
+        <p:spPr/>
+        <p:txBody>
+          <a:bodyPr/>
+          <a:lstStyle/>
+          <a:p>
+            <a:endParaRPr lang="en-US"/>
+          </a:p>
+        </p:txBody>
+      </p:sp>
+      <p:pic>
+        <p:nvPicPr>
+          <p:cNvPr id="5" name="Content Placeholder 4" descr="attn_reports.jpg"/>
+          <p:cNvPicPr>
+            <a:picLocks noGrp="1" noChangeAspect="1"/>
+          </p:cNvPicPr>
+          <p:nvPr>
+            <p:ph sz="half" idx="1"/>
+          </p:nvPr>
+        </p:nvPicPr>
+        <p:blipFill>
+          <a:blip r:embed="rId2"/>
+          <a:stretch>
+            <a:fillRect/>
+          </a:stretch>
+        </p:blipFill>
+        <p:spPr>
+          <a:xfrm>
+            <a:off x="0" y="0"/>
+            <a:ext cx="9027498" cy="6705600"/>
+          </a:xfrm>
+        </p:spPr>
+      </p:pic>
+    </p:spTree>
+  </p:cSld>
+  <p:clrMapOvr>
+    <a:masterClrMapping/>
+  </p:clrMapOvr>
+  <p:timing>
+    <p:tnLst>
+      <p:par>
+        <p:cTn id="1" dur="indefinite" restart="never" nodeType="tmRoot"/>
+      </p:par>
+    </p:tnLst>
+  </p:timing>
 </p:sld>
 </file>
 
@@ -8360,207 +7951,6 @@
       </p:sp>
       <p:pic>
         <p:nvPicPr>
-          <p:cNvPr id="5" name="Content Placeholder 4" descr="std.jpg"/>
-          <p:cNvPicPr>
-            <a:picLocks noGrp="1" noChangeAspect="1"/>
-          </p:cNvPicPr>
-          <p:nvPr>
-            <p:ph sz="half" idx="1"/>
-          </p:nvPr>
-        </p:nvPicPr>
-        <p:blipFill>
-          <a:blip r:embed="rId2"/>
-          <a:stretch>
-            <a:fillRect/>
-          </a:stretch>
-        </p:blipFill>
-        <p:spPr>
-          <a:xfrm>
-            <a:off x="-1" y="0"/>
-            <a:ext cx="9114129" cy="6858000"/>
-          </a:xfrm>
-        </p:spPr>
-      </p:pic>
-    </p:spTree>
-  </p:cSld>
-  <p:clrMapOvr>
-    <a:masterClrMapping/>
-  </p:clrMapOvr>
-</p:sld>
-</file>
-
-<file path=ppt/slides/slide35.xml><?xml version="1.0" encoding="utf-8"?>
-<p:sld xmlns:a="http://schemas.openxmlformats.org/drawingml/2006/main" xmlns:r="http://schemas.openxmlformats.org/officeDocument/2006/relationships" xmlns:p="http://schemas.openxmlformats.org/presentationml/2006/main">
-  <p:cSld>
-    <p:spTree>
-      <p:nvGrpSpPr>
-        <p:cNvPr id="1" name=""/>
-        <p:cNvGrpSpPr/>
-        <p:nvPr/>
-      </p:nvGrpSpPr>
-      <p:grpSpPr>
-        <a:xfrm>
-          <a:off x="0" y="0"/>
-          <a:ext cx="0" cy="0"/>
-          <a:chOff x="0" y="0"/>
-          <a:chExt cx="0" cy="0"/>
-        </a:xfrm>
-      </p:grpSpPr>
-      <p:sp>
-        <p:nvSpPr>
-          <p:cNvPr id="2" name="Title 1"/>
-          <p:cNvSpPr>
-            <a:spLocks noGrp="1"/>
-          </p:cNvSpPr>
-          <p:nvPr>
-            <p:ph type="title"/>
-          </p:nvPr>
-        </p:nvSpPr>
-        <p:spPr/>
-        <p:txBody>
-          <a:bodyPr/>
-          <a:lstStyle/>
-          <a:p>
-            <a:endParaRPr lang="en-US"/>
-          </a:p>
-        </p:txBody>
-      </p:sp>
-      <p:pic>
-        <p:nvPicPr>
-          <p:cNvPr id="5" name="Content Placeholder 4" descr="attnd.jpg"/>
-          <p:cNvPicPr>
-            <a:picLocks noGrp="1" noChangeAspect="1"/>
-          </p:cNvPicPr>
-          <p:nvPr>
-            <p:ph sz="half" idx="1"/>
-          </p:nvPr>
-        </p:nvPicPr>
-        <p:blipFill>
-          <a:blip r:embed="rId2"/>
-          <a:stretch>
-            <a:fillRect/>
-          </a:stretch>
-        </p:blipFill>
-        <p:spPr>
-          <a:xfrm>
-            <a:off x="-1" y="0"/>
-            <a:ext cx="9175309" cy="6705600"/>
-          </a:xfrm>
-        </p:spPr>
-      </p:pic>
-    </p:spTree>
-  </p:cSld>
-  <p:clrMapOvr>
-    <a:masterClrMapping/>
-  </p:clrMapOvr>
-</p:sld>
-</file>
-
-<file path=ppt/slides/slide36.xml><?xml version="1.0" encoding="utf-8"?>
-<p:sld xmlns:a="http://schemas.openxmlformats.org/drawingml/2006/main" xmlns:r="http://schemas.openxmlformats.org/officeDocument/2006/relationships" xmlns:p="http://schemas.openxmlformats.org/presentationml/2006/main">
-  <p:cSld>
-    <p:spTree>
-      <p:nvGrpSpPr>
-        <p:cNvPr id="1" name=""/>
-        <p:cNvGrpSpPr/>
-        <p:nvPr/>
-      </p:nvGrpSpPr>
-      <p:grpSpPr>
-        <a:xfrm>
-          <a:off x="0" y="0"/>
-          <a:ext cx="0" cy="0"/>
-          <a:chOff x="0" y="0"/>
-          <a:chExt cx="0" cy="0"/>
-        </a:xfrm>
-      </p:grpSpPr>
-      <p:sp>
-        <p:nvSpPr>
-          <p:cNvPr id="2" name="Title 1"/>
-          <p:cNvSpPr>
-            <a:spLocks noGrp="1"/>
-          </p:cNvSpPr>
-          <p:nvPr>
-            <p:ph type="title"/>
-          </p:nvPr>
-        </p:nvSpPr>
-        <p:spPr/>
-        <p:txBody>
-          <a:bodyPr/>
-          <a:lstStyle/>
-          <a:p>
-            <a:endParaRPr lang="en-US"/>
-          </a:p>
-        </p:txBody>
-      </p:sp>
-      <p:pic>
-        <p:nvPicPr>
-          <p:cNvPr id="5" name="Content Placeholder 4" descr="attn_reports.jpg"/>
-          <p:cNvPicPr>
-            <a:picLocks noGrp="1" noChangeAspect="1"/>
-          </p:cNvPicPr>
-          <p:nvPr>
-            <p:ph sz="half" idx="1"/>
-          </p:nvPr>
-        </p:nvPicPr>
-        <p:blipFill>
-          <a:blip r:embed="rId2"/>
-          <a:stretch>
-            <a:fillRect/>
-          </a:stretch>
-        </p:blipFill>
-        <p:spPr>
-          <a:xfrm>
-            <a:off x="0" y="0"/>
-            <a:ext cx="9027498" cy="6705600"/>
-          </a:xfrm>
-        </p:spPr>
-      </p:pic>
-    </p:spTree>
-  </p:cSld>
-  <p:clrMapOvr>
-    <a:masterClrMapping/>
-  </p:clrMapOvr>
-</p:sld>
-</file>
-
-<file path=ppt/slides/slide37.xml><?xml version="1.0" encoding="utf-8"?>
-<p:sld xmlns:a="http://schemas.openxmlformats.org/drawingml/2006/main" xmlns:r="http://schemas.openxmlformats.org/officeDocument/2006/relationships" xmlns:p="http://schemas.openxmlformats.org/presentationml/2006/main">
-  <p:cSld>
-    <p:spTree>
-      <p:nvGrpSpPr>
-        <p:cNvPr id="1" name=""/>
-        <p:cNvGrpSpPr/>
-        <p:nvPr/>
-      </p:nvGrpSpPr>
-      <p:grpSpPr>
-        <a:xfrm>
-          <a:off x="0" y="0"/>
-          <a:ext cx="0" cy="0"/>
-          <a:chOff x="0" y="0"/>
-          <a:chExt cx="0" cy="0"/>
-        </a:xfrm>
-      </p:grpSpPr>
-      <p:sp>
-        <p:nvSpPr>
-          <p:cNvPr id="2" name="Title 1"/>
-          <p:cNvSpPr>
-            <a:spLocks noGrp="1"/>
-          </p:cNvSpPr>
-          <p:nvPr>
-            <p:ph type="title"/>
-          </p:nvPr>
-        </p:nvSpPr>
-        <p:spPr/>
-        <p:txBody>
-          <a:bodyPr/>
-          <a:lstStyle/>
-          <a:p>
-            <a:endParaRPr lang="en-US"/>
-          </a:p>
-        </p:txBody>
-      </p:sp>
-      <p:pic>
-        <p:nvPicPr>
           <p:cNvPr id="5" name="Content Placeholder 4" descr="std+reports.jpg"/>
           <p:cNvPicPr>
             <a:picLocks noGrp="1" noChangeAspect="1"/>
@@ -8587,10 +7977,17 @@
   <p:clrMapOvr>
     <a:masterClrMapping/>
   </p:clrMapOvr>
+  <p:timing>
+    <p:tnLst>
+      <p:par>
+        <p:cTn id="1" dur="indefinite" restart="never" nodeType="tmRoot"/>
+      </p:par>
+    </p:tnLst>
+  </p:timing>
 </p:sld>
 </file>
 
-<file path=ppt/slides/slide38.xml><?xml version="1.0" encoding="utf-8"?>
+<file path=ppt/slides/slide35.xml><?xml version="1.0" encoding="utf-8"?>
 <p:sld xmlns:a="http://schemas.openxmlformats.org/drawingml/2006/main" xmlns:r="http://schemas.openxmlformats.org/officeDocument/2006/relationships" xmlns:p="http://schemas.openxmlformats.org/presentationml/2006/main">
   <p:cSld>
     <p:spTree>
@@ -9271,6 +8668,13 @@
   <p:clrMapOvr>
     <a:masterClrMapping/>
   </p:clrMapOvr>
+  <p:timing>
+    <p:tnLst>
+      <p:par>
+        <p:cTn id="1" dur="indefinite" restart="never" nodeType="tmRoot"/>
+      </p:par>
+    </p:tnLst>
+  </p:timing>
 </p:sld>
 </file>
 
@@ -9374,6 +8778,13 @@
   <p:clrMapOvr>
     <a:masterClrMapping/>
   </p:clrMapOvr>
+  <p:timing>
+    <p:tnLst>
+      <p:par>
+        <p:cTn id="1" dur="indefinite" restart="never" nodeType="tmRoot"/>
+      </p:par>
+    </p:tnLst>
+  </p:timing>
 </p:sld>
 </file>
 
@@ -9558,6 +8969,13 @@
   <p:clrMapOvr>
     <a:masterClrMapping/>
   </p:clrMapOvr>
+  <p:timing>
+    <p:tnLst>
+      <p:par>
+        <p:cTn id="1" dur="indefinite" restart="never" nodeType="tmRoot"/>
+      </p:par>
+    </p:tnLst>
+  </p:timing>
 </p:sld>
 </file>
 
@@ -9688,13 +9106,7 @@
               <a:rPr lang="en-US" sz="2900" dirty="0" smtClean="0">
                 <a:latin typeface="Palatino Linotype" pitchFamily="18" charset="0"/>
               </a:rPr>
-              <a:t>Download attendance data as a spreadsheet</a:t>
-            </a:r>
-            <a:r>
-              <a:rPr lang="en-US" sz="2900" dirty="0" smtClean="0">
-                <a:latin typeface="Palatino Linotype" pitchFamily="18" charset="0"/>
-              </a:rPr>
-              <a:t>.</a:t>
+              <a:t>Download attendance data as a spreadsheet.</a:t>
             </a:r>
           </a:p>
           <a:p>
@@ -9753,13 +9165,7 @@
               <a:rPr lang="en-US" sz="3600" b="1" u="sng" dirty="0" smtClean="0">
                 <a:latin typeface="Palatino Linotype" pitchFamily="18" charset="0"/>
               </a:rPr>
-              <a:t>View </a:t>
-            </a:r>
-            <a:r>
-              <a:rPr lang="en-US" sz="3600" b="1" u="sng" dirty="0" smtClean="0">
-                <a:latin typeface="Palatino Linotype" pitchFamily="18" charset="0"/>
-              </a:rPr>
-              <a:t>Specific Student Details:</a:t>
+              <a:t>View Specific Student Details:</a:t>
             </a:r>
           </a:p>
           <a:p>
@@ -9781,13 +9187,7 @@
               <a:rPr lang="en-US" sz="2900" dirty="0" smtClean="0">
                 <a:latin typeface="Palatino Linotype" pitchFamily="18" charset="0"/>
               </a:rPr>
-              <a:t>           within a specific subject</a:t>
-            </a:r>
-            <a:r>
-              <a:rPr lang="en-US" sz="2900" dirty="0" smtClean="0">
-                <a:latin typeface="Palatino Linotype" pitchFamily="18" charset="0"/>
-              </a:rPr>
-              <a:t>.</a:t>
+              <a:t>           within a specific subject.</a:t>
             </a:r>
           </a:p>
           <a:p>
@@ -9800,6 +9200,13 @@
   <p:clrMapOvr>
     <a:masterClrMapping/>
   </p:clrMapOvr>
+  <p:timing>
+    <p:tnLst>
+      <p:par>
+        <p:cTn id="1" dur="indefinite" restart="never" nodeType="tmRoot"/>
+      </p:par>
+    </p:tnLst>
+  </p:timing>
 </p:sld>
 </file>
 
